--- a/Presenations/2023 Presentations/AccessibilityTesting101-CincyDeliver2023.pptx
+++ b/Presenations/2023 Presentations/AccessibilityTesting101-CincyDeliver2023.pptx
@@ -23,8 +23,8 @@
     <p:sldId id="280" r:id="rId14"/>
     <p:sldId id="281" r:id="rId15"/>
     <p:sldId id="276" r:id="rId16"/>
-    <p:sldId id="271" r:id="rId17"/>
-    <p:sldId id="277" r:id="rId18"/>
+    <p:sldId id="277" r:id="rId17"/>
+    <p:sldId id="271" r:id="rId18"/>
     <p:sldId id="272" r:id="rId19"/>
   </p:sldIdLst>
   <p:sldSz cx="12192000" cy="6858000"/>
@@ -1916,7 +1916,7 @@
         <a:p>
           <a:r>
             <a:rPr lang="en-US" b="1" dirty="0"/>
-            <a:t>Adaptive Technology</a:t>
+            <a:t>Assistive Technology</a:t>
           </a:r>
         </a:p>
       </dgm:t>
@@ -2613,8 +2613,8 @@
       </dsp:nvSpPr>
       <dsp:spPr>
         <a:xfrm>
-          <a:off x="0" y="30330"/>
-          <a:ext cx="7374467" cy="1223235"/>
+          <a:off x="0" y="25312"/>
+          <a:ext cx="7374467" cy="1228500"/>
         </a:xfrm>
         <a:prstGeom prst="roundRect">
           <a:avLst/>
@@ -2652,12 +2652,12 @@
         </a:fontRef>
       </dsp:style>
       <dsp:txBody>
-        <a:bodyPr spcFirstLastPara="0" vert="horz" wrap="square" lIns="194310" tIns="194310" rIns="194310" bIns="194310" numCol="1" spcCol="1270" anchor="ctr" anchorCtr="0">
+        <a:bodyPr spcFirstLastPara="0" vert="horz" wrap="square" lIns="190500" tIns="190500" rIns="190500" bIns="190500" numCol="1" spcCol="1270" anchor="ctr" anchorCtr="0">
           <a:noAutofit/>
         </a:bodyPr>
         <a:lstStyle/>
         <a:p>
-          <a:pPr marL="0" lvl="0" indent="0" algn="l" defTabSz="2266950">
+          <a:pPr marL="0" lvl="0" indent="0" algn="l" defTabSz="2222500">
             <a:lnSpc>
               <a:spcPct val="90000"/>
             </a:lnSpc>
@@ -2670,15 +2670,15 @@
             <a:buNone/>
           </a:pPr>
           <a:r>
-            <a:rPr lang="en-US" sz="5100" b="1" kern="1200" dirty="0"/>
+            <a:rPr lang="en-US" sz="5000" b="1" kern="1200" dirty="0"/>
             <a:t>Accessibility</a:t>
           </a:r>
-          <a:endParaRPr lang="en-US" sz="5100" kern="1200" dirty="0"/>
+          <a:endParaRPr lang="en-US" sz="5000" kern="1200" dirty="0"/>
         </a:p>
       </dsp:txBody>
       <dsp:txXfrm>
-        <a:off x="59713" y="90043"/>
-        <a:ext cx="7255041" cy="1103809"/>
+        <a:off x="59970" y="85282"/>
+        <a:ext cx="7254527" cy="1108560"/>
       </dsp:txXfrm>
     </dsp:sp>
     <dsp:sp modelId="{5F5B2010-9F7C-4F85-BA19-0E749BF12EAC}">
@@ -2688,8 +2688,8 @@
       </dsp:nvSpPr>
       <dsp:spPr>
         <a:xfrm>
-          <a:off x="0" y="1400445"/>
-          <a:ext cx="7374467" cy="1223235"/>
+          <a:off x="0" y="1397812"/>
+          <a:ext cx="7374467" cy="1228500"/>
         </a:xfrm>
         <a:prstGeom prst="roundRect">
           <a:avLst/>
@@ -2727,12 +2727,12 @@
         </a:fontRef>
       </dsp:style>
       <dsp:txBody>
-        <a:bodyPr spcFirstLastPara="0" vert="horz" wrap="square" lIns="194310" tIns="194310" rIns="194310" bIns="194310" numCol="1" spcCol="1270" anchor="ctr" anchorCtr="0">
+        <a:bodyPr spcFirstLastPara="0" vert="horz" wrap="square" lIns="190500" tIns="190500" rIns="190500" bIns="190500" numCol="1" spcCol="1270" anchor="ctr" anchorCtr="0">
           <a:noAutofit/>
         </a:bodyPr>
         <a:lstStyle/>
         <a:p>
-          <a:pPr marL="0" lvl="0" indent="0" algn="l" defTabSz="2266950">
+          <a:pPr marL="0" lvl="0" indent="0" algn="l" defTabSz="2222500">
             <a:lnSpc>
               <a:spcPct val="90000"/>
             </a:lnSpc>
@@ -2745,15 +2745,15 @@
             <a:buNone/>
           </a:pPr>
           <a:r>
-            <a:rPr lang="en-US" sz="5100" b="1" kern="1200" dirty="0"/>
+            <a:rPr lang="en-US" sz="5000" b="1" kern="1200" dirty="0"/>
             <a:t>Disability</a:t>
           </a:r>
-          <a:endParaRPr lang="en-US" sz="5100" kern="1200" dirty="0"/>
+          <a:endParaRPr lang="en-US" sz="5000" kern="1200" dirty="0"/>
         </a:p>
       </dsp:txBody>
       <dsp:txXfrm>
-        <a:off x="59713" y="1460158"/>
-        <a:ext cx="7255041" cy="1103809"/>
+        <a:off x="59970" y="1457782"/>
+        <a:ext cx="7254527" cy="1108560"/>
       </dsp:txXfrm>
     </dsp:sp>
     <dsp:sp modelId="{BFFE1686-2C08-410B-9B46-1898A88DB390}">
@@ -2763,8 +2763,8 @@
       </dsp:nvSpPr>
       <dsp:spPr>
         <a:xfrm>
-          <a:off x="0" y="2770559"/>
-          <a:ext cx="7374467" cy="1223235"/>
+          <a:off x="0" y="2770312"/>
+          <a:ext cx="7374467" cy="1228500"/>
         </a:xfrm>
         <a:prstGeom prst="roundRect">
           <a:avLst/>
@@ -2802,12 +2802,12 @@
         </a:fontRef>
       </dsp:style>
       <dsp:txBody>
-        <a:bodyPr spcFirstLastPara="0" vert="horz" wrap="square" lIns="194310" tIns="194310" rIns="194310" bIns="194310" numCol="1" spcCol="1270" anchor="ctr" anchorCtr="0">
+        <a:bodyPr spcFirstLastPara="0" vert="horz" wrap="square" lIns="190500" tIns="190500" rIns="190500" bIns="190500" numCol="1" spcCol="1270" anchor="ctr" anchorCtr="0">
           <a:noAutofit/>
         </a:bodyPr>
         <a:lstStyle/>
         <a:p>
-          <a:pPr marL="0" lvl="0" indent="0" algn="l" defTabSz="2266950">
+          <a:pPr marL="0" lvl="0" indent="0" algn="l" defTabSz="2222500">
             <a:lnSpc>
               <a:spcPct val="90000"/>
             </a:lnSpc>
@@ -2820,14 +2820,14 @@
             <a:buNone/>
           </a:pPr>
           <a:r>
-            <a:rPr lang="en-US" sz="5100" b="1" kern="1200" dirty="0"/>
-            <a:t>Adaptive Technology</a:t>
+            <a:rPr lang="en-US" sz="5000" b="1" kern="1200" dirty="0"/>
+            <a:t>Assistive Technology</a:t>
           </a:r>
         </a:p>
       </dsp:txBody>
       <dsp:txXfrm>
-        <a:off x="59713" y="2830272"/>
-        <a:ext cx="7255041" cy="1103809"/>
+        <a:off x="59970" y="2830282"/>
+        <a:ext cx="7254527" cy="1108560"/>
       </dsp:txXfrm>
     </dsp:sp>
   </dsp:spTree>
@@ -2849,7 +2849,7 @@
       </dsp:nvSpPr>
       <dsp:spPr>
         <a:xfrm>
-          <a:off x="5592" y="166138"/>
+          <a:off x="5592" y="136616"/>
           <a:ext cx="3531141" cy="1059342"/>
         </a:xfrm>
         <a:prstGeom prst="rect">
@@ -2916,7 +2916,7 @@
         </a:p>
       </dsp:txBody>
       <dsp:txXfrm>
-        <a:off x="5592" y="166138"/>
+        <a:off x="5592" y="136616"/>
         <a:ext cx="3531141" cy="1059342"/>
       </dsp:txXfrm>
     </dsp:sp>
@@ -2927,8 +2927,8 @@
       </dsp:nvSpPr>
       <dsp:spPr>
         <a:xfrm>
-          <a:off x="5592" y="1225481"/>
-          <a:ext cx="3531141" cy="1948479"/>
+          <a:off x="5592" y="1195958"/>
+          <a:ext cx="3531141" cy="2007524"/>
         </a:xfrm>
         <a:prstGeom prst="rect">
           <a:avLst/>
@@ -2976,7 +2976,7 @@
         </a:bodyPr>
         <a:lstStyle/>
         <a:p>
-          <a:pPr marL="0" lvl="0" indent="0" algn="l" defTabSz="755650">
+          <a:pPr marL="0" lvl="0" indent="0" algn="l" defTabSz="800100">
             <a:lnSpc>
               <a:spcPct val="90000"/>
             </a:lnSpc>
@@ -2989,12 +2989,12 @@
             <a:buNone/>
           </a:pPr>
           <a:r>
-            <a:rPr lang="en-US" sz="1700" kern="1200" dirty="0"/>
+            <a:rPr lang="en-US" sz="1800" kern="1200" dirty="0"/>
             <a:t>Hearing</a:t>
           </a:r>
         </a:p>
         <a:p>
-          <a:pPr marL="0" lvl="0" indent="0" algn="l" defTabSz="755650">
+          <a:pPr marL="0" lvl="0" indent="0" algn="l" defTabSz="800100">
             <a:lnSpc>
               <a:spcPct val="90000"/>
             </a:lnSpc>
@@ -3007,12 +3007,12 @@
             <a:buNone/>
           </a:pPr>
           <a:r>
-            <a:rPr lang="en-US" sz="1700" kern="1200"/>
+            <a:rPr lang="en-US" sz="1800" kern="1200"/>
             <a:t>Vision</a:t>
           </a:r>
         </a:p>
         <a:p>
-          <a:pPr marL="0" lvl="0" indent="0" algn="l" defTabSz="755650">
+          <a:pPr marL="0" lvl="0" indent="0" algn="l" defTabSz="800100">
             <a:lnSpc>
               <a:spcPct val="90000"/>
             </a:lnSpc>
@@ -3025,12 +3025,12 @@
             <a:buNone/>
           </a:pPr>
           <a:r>
-            <a:rPr lang="en-US" sz="1700" kern="1200"/>
+            <a:rPr lang="en-US" sz="1800" kern="1200"/>
             <a:t>Mobility</a:t>
           </a:r>
         </a:p>
         <a:p>
-          <a:pPr marL="0" lvl="0" indent="0" algn="l" defTabSz="755650">
+          <a:pPr marL="0" lvl="0" indent="0" algn="l" defTabSz="800100">
             <a:lnSpc>
               <a:spcPct val="90000"/>
             </a:lnSpc>
@@ -3043,14 +3043,14 @@
             <a:buNone/>
           </a:pPr>
           <a:r>
-            <a:rPr lang="en-US" sz="1700" kern="1200"/>
+            <a:rPr lang="en-US" sz="1800" kern="1200"/>
             <a:t>Comprehension</a:t>
           </a:r>
         </a:p>
       </dsp:txBody>
       <dsp:txXfrm>
-        <a:off x="5592" y="1225481"/>
-        <a:ext cx="3531141" cy="1948479"/>
+        <a:off x="5592" y="1195958"/>
+        <a:ext cx="3531141" cy="2007524"/>
       </dsp:txXfrm>
     </dsp:sp>
     <dsp:sp modelId="{4509828A-1885-4608-9CA4-0F861650D937}">
@@ -3060,7 +3060,7 @@
       </dsp:nvSpPr>
       <dsp:spPr>
         <a:xfrm>
-          <a:off x="3644629" y="166138"/>
+          <a:off x="3644629" y="136616"/>
           <a:ext cx="3531141" cy="1059342"/>
         </a:xfrm>
         <a:prstGeom prst="rect">
@@ -3127,7 +3127,7 @@
         </a:p>
       </dsp:txBody>
       <dsp:txXfrm>
-        <a:off x="3644629" y="166138"/>
+        <a:off x="3644629" y="136616"/>
         <a:ext cx="3531141" cy="1059342"/>
       </dsp:txXfrm>
     </dsp:sp>
@@ -3138,8 +3138,8 @@
       </dsp:nvSpPr>
       <dsp:spPr>
         <a:xfrm>
-          <a:off x="3644629" y="1225481"/>
-          <a:ext cx="3531141" cy="1948479"/>
+          <a:off x="3644629" y="1195958"/>
+          <a:ext cx="3531141" cy="2007524"/>
         </a:xfrm>
         <a:prstGeom prst="rect">
           <a:avLst/>
@@ -3187,7 +3187,7 @@
         </a:bodyPr>
         <a:lstStyle/>
         <a:p>
-          <a:pPr marL="0" lvl="0" indent="0" algn="l" defTabSz="755650">
+          <a:pPr marL="0" lvl="0" indent="0" algn="l" defTabSz="800100">
             <a:lnSpc>
               <a:spcPct val="90000"/>
             </a:lnSpc>
@@ -3200,12 +3200,12 @@
             <a:buNone/>
           </a:pPr>
           <a:r>
-            <a:rPr lang="en-US" sz="1700" kern="1200"/>
+            <a:rPr lang="en-US" sz="1800" kern="1200"/>
             <a:t>Temporary</a:t>
           </a:r>
         </a:p>
         <a:p>
-          <a:pPr marL="0" lvl="0" indent="0" algn="l" defTabSz="755650">
+          <a:pPr marL="0" lvl="0" indent="0" algn="l" defTabSz="800100">
             <a:lnSpc>
               <a:spcPct val="90000"/>
             </a:lnSpc>
@@ -3218,12 +3218,12 @@
             <a:buNone/>
           </a:pPr>
           <a:r>
-            <a:rPr lang="en-US" sz="1700" kern="1200" dirty="0"/>
+            <a:rPr lang="en-US" sz="1800" kern="1200" dirty="0"/>
             <a:t>Situational</a:t>
           </a:r>
         </a:p>
         <a:p>
-          <a:pPr marL="0" lvl="0" indent="0" algn="l" defTabSz="755650">
+          <a:pPr marL="0" lvl="0" indent="0" algn="l" defTabSz="800100">
             <a:lnSpc>
               <a:spcPct val="90000"/>
             </a:lnSpc>
@@ -3236,14 +3236,14 @@
             <a:buNone/>
           </a:pPr>
           <a:r>
-            <a:rPr lang="en-US" sz="1700" kern="1200"/>
+            <a:rPr lang="en-US" sz="1800" kern="1200"/>
             <a:t>Permanent</a:t>
           </a:r>
         </a:p>
       </dsp:txBody>
       <dsp:txXfrm>
-        <a:off x="3644629" y="1225481"/>
-        <a:ext cx="3531141" cy="1948479"/>
+        <a:off x="3644629" y="1195958"/>
+        <a:ext cx="3531141" cy="2007524"/>
       </dsp:txXfrm>
     </dsp:sp>
     <dsp:sp modelId="{FC53DE69-2466-43F5-A0D3-415A85444237}">
@@ -3253,7 +3253,7 @@
       </dsp:nvSpPr>
       <dsp:spPr>
         <a:xfrm>
-          <a:off x="7283665" y="166138"/>
+          <a:off x="7283665" y="136616"/>
           <a:ext cx="3531141" cy="1059342"/>
         </a:xfrm>
         <a:prstGeom prst="rect">
@@ -3320,7 +3320,7 @@
         </a:p>
       </dsp:txBody>
       <dsp:txXfrm>
-        <a:off x="7283665" y="166138"/>
+        <a:off x="7283665" y="136616"/>
         <a:ext cx="3531141" cy="1059342"/>
       </dsp:txXfrm>
     </dsp:sp>
@@ -3331,8 +3331,8 @@
       </dsp:nvSpPr>
       <dsp:spPr>
         <a:xfrm>
-          <a:off x="7283665" y="1225481"/>
-          <a:ext cx="3531141" cy="1948479"/>
+          <a:off x="7283665" y="1195958"/>
+          <a:ext cx="3531141" cy="2007524"/>
         </a:xfrm>
         <a:prstGeom prst="rect">
           <a:avLst/>
@@ -3380,7 +3380,7 @@
         </a:bodyPr>
         <a:lstStyle/>
         <a:p>
-          <a:pPr marL="0" lvl="0" indent="0" algn="l" defTabSz="755650">
+          <a:pPr marL="0" lvl="0" indent="0" algn="l" defTabSz="800100">
             <a:lnSpc>
               <a:spcPct val="90000"/>
             </a:lnSpc>
@@ -3393,12 +3393,12 @@
             <a:buNone/>
           </a:pPr>
           <a:r>
-            <a:rPr lang="en-US" sz="1700" kern="1200"/>
+            <a:rPr lang="en-US" sz="1800" kern="1200"/>
             <a:t>Visible</a:t>
           </a:r>
         </a:p>
         <a:p>
-          <a:pPr marL="0" lvl="0" indent="0" algn="l" defTabSz="755650">
+          <a:pPr marL="0" lvl="0" indent="0" algn="l" defTabSz="800100">
             <a:lnSpc>
               <a:spcPct val="90000"/>
             </a:lnSpc>
@@ -3411,14 +3411,14 @@
             <a:buNone/>
           </a:pPr>
           <a:r>
-            <a:rPr lang="en-US" sz="1700" kern="1200"/>
+            <a:rPr lang="en-US" sz="1800" kern="1200"/>
             <a:t>Invisible</a:t>
           </a:r>
         </a:p>
       </dsp:txBody>
       <dsp:txXfrm>
-        <a:off x="7283665" y="1225481"/>
-        <a:ext cx="3531141" cy="1948479"/>
+        <a:off x="7283665" y="1195958"/>
+        <a:ext cx="3531141" cy="2007524"/>
       </dsp:txXfrm>
     </dsp:sp>
   </dsp:spTree>
@@ -5909,7 +5909,7 @@
           <a:p>
             <a:fld id="{BEFAACEF-CC9A-483E-9B56-DECAFB57975A}" type="datetimeFigureOut">
               <a:rPr lang="en-US" smtClean="0"/>
-              <a:t>7/25/2023</a:t>
+              <a:t>7/27/2023</a:t>
             </a:fld>
             <a:endParaRPr lang="en-US"/>
           </a:p>
@@ -6733,7 +6733,7 @@
     </p:spTree>
     <p:extLst>
       <p:ext uri="{BB962C8B-B14F-4D97-AF65-F5344CB8AC3E}">
-        <p14:creationId xmlns:p14="http://schemas.microsoft.com/office/powerpoint/2010/main" val="1964582518"/>
+        <p14:creationId xmlns:p14="http://schemas.microsoft.com/office/powerpoint/2010/main" val="1593273751"/>
       </p:ext>
     </p:extLst>
   </p:cSld>
@@ -6817,7 +6817,7 @@
     </p:spTree>
     <p:extLst>
       <p:ext uri="{BB962C8B-B14F-4D97-AF65-F5344CB8AC3E}">
-        <p14:creationId xmlns:p14="http://schemas.microsoft.com/office/powerpoint/2010/main" val="1593273751"/>
+        <p14:creationId xmlns:p14="http://schemas.microsoft.com/office/powerpoint/2010/main" val="1964582518"/>
       </p:ext>
     </p:extLst>
   </p:cSld>
@@ -7895,7 +7895,7 @@
           <a:p>
             <a:fld id="{BA049CC4-5A97-47DC-86B9-9927E3A2D5F5}" type="datetime1">
               <a:rPr lang="en-US" smtClean="0"/>
-              <a:t>7/25/2023</a:t>
+              <a:t>7/27/2023</a:t>
             </a:fld>
             <a:endParaRPr lang="en-US"/>
           </a:p>
@@ -8167,7 +8167,7 @@
           <a:p>
             <a:fld id="{08A11C66-9C87-4BA8-9534-5EF145E66FE7}" type="datetime1">
               <a:rPr lang="en-US" smtClean="0"/>
-              <a:t>7/25/2023</a:t>
+              <a:t>7/27/2023</a:t>
             </a:fld>
             <a:endParaRPr lang="en-US"/>
           </a:p>
@@ -8398,7 +8398,7 @@
           <a:p>
             <a:fld id="{5AE480A1-3E8F-4FEB-9473-F28D5BA2CE2F}" type="datetime1">
               <a:rPr lang="en-US" smtClean="0"/>
-              <a:t>7/25/2023</a:t>
+              <a:t>7/27/2023</a:t>
             </a:fld>
             <a:endParaRPr lang="en-US"/>
           </a:p>
@@ -8708,7 +8708,7 @@
           <a:p>
             <a:fld id="{51941244-449B-4313-BB5D-CEC8D390AC83}" type="datetime1">
               <a:rPr lang="en-US" smtClean="0"/>
-              <a:t>7/25/2023</a:t>
+              <a:t>7/27/2023</a:t>
             </a:fld>
             <a:endParaRPr lang="en-US"/>
           </a:p>
@@ -9181,7 +9181,7 @@
           <a:p>
             <a:fld id="{D3AAB994-AF9D-407F-AC45-491F65672FB8}" type="datetime1">
               <a:rPr lang="en-US" smtClean="0"/>
-              <a:t>7/25/2023</a:t>
+              <a:t>7/27/2023</a:t>
             </a:fld>
             <a:endParaRPr lang="en-US"/>
           </a:p>
@@ -9728,7 +9728,7 @@
           <a:p>
             <a:fld id="{95B69CAA-71E9-4E32-8F4F-8B1877E6E416}" type="datetime1">
               <a:rPr lang="en-US" smtClean="0"/>
-              <a:t>7/25/2023</a:t>
+              <a:t>7/27/2023</a:t>
             </a:fld>
             <a:endParaRPr lang="en-US"/>
           </a:p>
@@ -10502,7 +10502,7 @@
           <a:p>
             <a:fld id="{4F1F7796-6626-4944-B793-E85205E429DA}" type="datetime1">
               <a:rPr lang="en-US" smtClean="0"/>
-              <a:t>7/25/2023</a:t>
+              <a:t>7/27/2023</a:t>
             </a:fld>
             <a:endParaRPr lang="en-US"/>
           </a:p>
@@ -10677,7 +10677,7 @@
           <a:p>
             <a:fld id="{275BEE86-0E69-41D4-B130-484F9582CF68}" type="datetime1">
               <a:rPr lang="en-US" smtClean="0"/>
-              <a:t>7/25/2023</a:t>
+              <a:t>7/27/2023</a:t>
             </a:fld>
             <a:endParaRPr lang="en-US"/>
           </a:p>
@@ -10900,7 +10900,7 @@
           <a:p>
             <a:fld id="{E8E2E543-8735-43A9-800E-D52D2E6A7570}" type="datetime1">
               <a:rPr lang="en-US" smtClean="0"/>
-              <a:t>7/25/2023</a:t>
+              <a:t>7/27/2023</a:t>
             </a:fld>
             <a:endParaRPr lang="en-US"/>
           </a:p>
@@ -11085,7 +11085,7 @@
           <a:p>
             <a:fld id="{4F562C0E-85F8-4032-A4AC-EAAA621EB697}" type="datetime1">
               <a:rPr lang="en-US" smtClean="0"/>
-              <a:t>7/25/2023</a:t>
+              <a:t>7/27/2023</a:t>
             </a:fld>
             <a:endParaRPr lang="en-US"/>
           </a:p>
@@ -11374,7 +11374,7 @@
           <a:p>
             <a:fld id="{4D4D2949-E030-4779-99B3-FAC018E20B72}" type="datetime1">
               <a:rPr lang="en-US" smtClean="0"/>
-              <a:t>7/25/2023</a:t>
+              <a:t>7/27/2023</a:t>
             </a:fld>
             <a:endParaRPr lang="en-US"/>
           </a:p>
@@ -11621,7 +11621,7 @@
           <a:p>
             <a:fld id="{0F3F8BCC-FB76-4EC4-8AAF-4B5BA4B75FEF}" type="datetime1">
               <a:rPr lang="en-US" smtClean="0"/>
-              <a:t>7/25/2023</a:t>
+              <a:t>7/27/2023</a:t>
             </a:fld>
             <a:endParaRPr lang="en-US"/>
           </a:p>
@@ -12000,7 +12000,7 @@
           <a:p>
             <a:fld id="{7AB60B1E-0147-4747-AD07-17141088A4C3}" type="datetime1">
               <a:rPr lang="en-US" smtClean="0"/>
-              <a:t>7/25/2023</a:t>
+              <a:t>7/27/2023</a:t>
             </a:fld>
             <a:endParaRPr lang="en-US"/>
           </a:p>
@@ -12118,7 +12118,7 @@
           <a:p>
             <a:fld id="{122DC7E5-9295-4EB3-8473-59EEBBFB2383}" type="datetime1">
               <a:rPr lang="en-US" smtClean="0"/>
-              <a:t>7/25/2023</a:t>
+              <a:t>7/27/2023</a:t>
             </a:fld>
             <a:endParaRPr lang="en-US"/>
           </a:p>
@@ -12213,7 +12213,7 @@
           <a:p>
             <a:fld id="{915BDD53-BBE8-4710-8261-574287A899BD}" type="datetime1">
               <a:rPr lang="en-US" smtClean="0"/>
-              <a:t>7/25/2023</a:t>
+              <a:t>7/27/2023</a:t>
             </a:fld>
             <a:endParaRPr lang="en-US"/>
           </a:p>
@@ -12462,7 +12462,7 @@
           <a:p>
             <a:fld id="{68C84FA3-F6D9-4634-9C02-2941F1994736}" type="datetime1">
               <a:rPr lang="en-US" smtClean="0"/>
-              <a:t>7/25/2023</a:t>
+              <a:t>7/27/2023</a:t>
             </a:fld>
             <a:endParaRPr lang="en-US"/>
           </a:p>
@@ -12719,7 +12719,7 @@
           <a:p>
             <a:fld id="{DAC35DB0-0D5A-4AF5-B91D-F5AC233569C2}" type="datetime1">
               <a:rPr lang="en-US" smtClean="0"/>
-              <a:t>7/25/2023</a:t>
+              <a:t>7/27/2023</a:t>
             </a:fld>
             <a:endParaRPr lang="en-US"/>
           </a:p>
@@ -12962,7 +12962,7 @@
           <a:p>
             <a:fld id="{22AFDDC1-071C-48BE-AEB0-C522838D21A3}" type="datetime1">
               <a:rPr lang="en-US" smtClean="0"/>
-              <a:t>7/25/2023</a:t>
+              <a:t>7/27/2023</a:t>
             </a:fld>
             <a:endParaRPr lang="en-US"/>
           </a:p>
@@ -14421,305 +14421,6 @@
           </a:xfrm>
         </p:spPr>
         <p:txBody>
-          <a:bodyPr>
-            <a:normAutofit fontScale="90000"/>
-          </a:bodyPr>
-          <a:lstStyle/>
-          <a:p>
-            <a:r>
-              <a:rPr lang="en-US" dirty="0"/>
-              <a:t>Tools and resources</a:t>
-            </a:r>
-            <a:br>
-              <a:rPr lang="en-US" dirty="0"/>
-            </a:br>
-            <a:r>
-              <a:rPr lang="en-US" sz="2000" dirty="0"/>
-              <a:t>Additional Resources</a:t>
-            </a:r>
-            <a:br>
-              <a:rPr lang="en-US" dirty="0"/>
-            </a:br>
-            <a:endParaRPr lang="en-US" dirty="0"/>
-          </a:p>
-        </p:txBody>
-      </p:sp>
-      <p:sp>
-        <p:nvSpPr>
-          <p:cNvPr id="3" name="Content Placeholder 2">
-            <a:extLst>
-              <a:ext uri="{FF2B5EF4-FFF2-40B4-BE49-F238E27FC236}">
-                <a16:creationId xmlns:a16="http://schemas.microsoft.com/office/drawing/2014/main" id="{7829BE99-CC9F-E89F-67D7-DD0AF66AC11A}"/>
-              </a:ext>
-            </a:extLst>
-          </p:cNvPr>
-          <p:cNvSpPr>
-            <a:spLocks noGrp="1"/>
-          </p:cNvSpPr>
-          <p:nvPr>
-            <p:ph idx="1"/>
-          </p:nvPr>
-        </p:nvSpPr>
-        <p:spPr>
-          <a:xfrm>
-            <a:off x="685798" y="1801028"/>
-            <a:ext cx="10820403" cy="4717338"/>
-          </a:xfrm>
-        </p:spPr>
-        <p:txBody>
-          <a:bodyPr>
-            <a:noAutofit/>
-          </a:bodyPr>
-          <a:lstStyle/>
-          <a:p>
-            <a:r>
-              <a:rPr lang="en-US" sz="1600" b="1" dirty="0">
-                <a:hlinkClick r:id="rId3"/>
-              </a:rPr>
-              <a:t>Accessibility Insights</a:t>
-            </a:r>
-            <a:r>
-              <a:rPr lang="en-US" sz="1600" dirty="0"/>
-              <a:t> – Accessibility testing tool made by Microsoft</a:t>
-            </a:r>
-          </a:p>
-          <a:p>
-            <a:pPr lvl="1"/>
-            <a:r>
-              <a:rPr lang="en-US" sz="1600" dirty="0"/>
-              <a:t>Has browser extension and desktop application versions</a:t>
-            </a:r>
-          </a:p>
-          <a:p>
-            <a:pPr lvl="1"/>
-            <a:r>
-              <a:rPr lang="en-US" sz="1600" dirty="0"/>
-              <a:t>Also have the option to include the automated tests in CI/CD</a:t>
-            </a:r>
-          </a:p>
-          <a:p>
-            <a:pPr lvl="1"/>
-            <a:r>
-              <a:rPr lang="en-US" sz="1600" dirty="0"/>
-              <a:t>DON’T depend on automated tests</a:t>
-            </a:r>
-          </a:p>
-          <a:p>
-            <a:r>
-              <a:rPr lang="en-US" sz="1600" b="1" dirty="0">
-                <a:hlinkClick r:id="rId4"/>
-              </a:rPr>
-              <a:t>NVDA</a:t>
-            </a:r>
-            <a:r>
-              <a:rPr lang="en-US" sz="1600" dirty="0"/>
-              <a:t> – free, open-sourced screen reader</a:t>
-            </a:r>
-          </a:p>
-          <a:p>
-            <a:pPr lvl="1"/>
-            <a:r>
-              <a:rPr lang="en-US" sz="1600" dirty="0"/>
-              <a:t>View keyboard shortcuts on at the Deque article entitled: </a:t>
-            </a:r>
-            <a:r>
-              <a:rPr lang="en-US" sz="1600" b="1" dirty="0">
-                <a:hlinkClick r:id="rId5"/>
-              </a:rPr>
-              <a:t>NVDA Keyboard Shortcuts</a:t>
-            </a:r>
-            <a:r>
-              <a:rPr lang="en-US" sz="1600" dirty="0"/>
-              <a:t>.</a:t>
-            </a:r>
-          </a:p>
-          <a:p>
-            <a:r>
-              <a:rPr lang="en-US" sz="1600" b="1" dirty="0"/>
-              <a:t>Narrator</a:t>
-            </a:r>
-            <a:r>
-              <a:rPr lang="en-US" sz="1600" dirty="0"/>
-              <a:t> – screen reader built-in to Windows.</a:t>
-            </a:r>
-          </a:p>
-          <a:p>
-            <a:pPr lvl="1"/>
-            <a:r>
-              <a:rPr lang="en-US" sz="1600" dirty="0"/>
-              <a:t>View keyboard shortcuts for Narrator in the Deque article entitled </a:t>
-            </a:r>
-            <a:r>
-              <a:rPr lang="en-US" sz="1600" b="1" dirty="0">
-                <a:hlinkClick r:id="rId6"/>
-              </a:rPr>
-              <a:t>Narrator Keyboard Shortcuts</a:t>
-            </a:r>
-            <a:r>
-              <a:rPr lang="en-US" sz="1600" dirty="0"/>
-              <a:t>.</a:t>
-            </a:r>
-          </a:p>
-          <a:p>
-            <a:r>
-              <a:rPr lang="en-US" sz="1600" b="1" dirty="0" err="1"/>
-              <a:t>VoiceOver</a:t>
-            </a:r>
-            <a:r>
-              <a:rPr lang="en-US" sz="1600" b="1" dirty="0"/>
-              <a:t> </a:t>
-            </a:r>
-            <a:r>
-              <a:rPr lang="en-US" sz="1600" dirty="0"/>
-              <a:t>– is a built screen reader found on iOS and MacOS devices.</a:t>
-            </a:r>
-          </a:p>
-          <a:p>
-            <a:r>
-              <a:rPr lang="en-US" sz="1600" b="1" dirty="0" err="1"/>
-              <a:t>TalkBack</a:t>
-            </a:r>
-            <a:r>
-              <a:rPr lang="en-US" sz="1600" b="1" dirty="0"/>
-              <a:t> </a:t>
-            </a:r>
-            <a:r>
-              <a:rPr lang="en-US" sz="1600" dirty="0"/>
-              <a:t>– is a built screen reader found on iOS and MacOS devices.</a:t>
-            </a:r>
-          </a:p>
-          <a:p>
-            <a:r>
-              <a:rPr lang="en-US" sz="1600" b="1" dirty="0">
-                <a:hlinkClick r:id="rId7"/>
-              </a:rPr>
-              <a:t>Microsoft Accessibility</a:t>
-            </a:r>
-            <a:r>
-              <a:rPr lang="en-US" sz="1600" dirty="0">
-                <a:hlinkClick r:id="rId7"/>
-              </a:rPr>
-              <a:t> </a:t>
-            </a:r>
-            <a:r>
-              <a:rPr lang="en-US" sz="1600" dirty="0"/>
-              <a:t>on Twitter at </a:t>
-            </a:r>
-            <a:r>
-              <a:rPr lang="en-US" sz="1600" b="1" dirty="0">
-                <a:hlinkClick r:id="rId8"/>
-              </a:rPr>
-              <a:t>@MSFTEnable</a:t>
-            </a:r>
-            <a:r>
-              <a:rPr lang="en-US" sz="1600" b="1" dirty="0"/>
-              <a:t> </a:t>
-            </a:r>
-            <a:r>
-              <a:rPr lang="en-US" sz="1600" dirty="0"/>
-              <a:t>and at on the </a:t>
-            </a:r>
-            <a:r>
-              <a:rPr lang="en-US" sz="1600" dirty="0">
-                <a:hlinkClick r:id="rId7"/>
-              </a:rPr>
-              <a:t>Microsoft Accessibility page</a:t>
-            </a:r>
-            <a:r>
-              <a:rPr lang="en-US" sz="1600" dirty="0"/>
-              <a:t>.</a:t>
-            </a:r>
-            <a:endParaRPr lang="en-US" sz="1600" b="1" dirty="0"/>
-          </a:p>
-          <a:p>
-            <a:r>
-              <a:rPr lang="en-US" sz="1600" b="1" dirty="0">
-                <a:hlinkClick r:id="rId9"/>
-              </a:rPr>
-              <a:t>Microsoft Accessibility Fundamentals course</a:t>
-            </a:r>
-            <a:endParaRPr lang="en-US" sz="1600" b="1" dirty="0"/>
-          </a:p>
-          <a:p>
-            <a:r>
-              <a:rPr lang="en-US" sz="1600" b="1" dirty="0">
-                <a:hlinkClick r:id="rId10"/>
-              </a:rPr>
-              <a:t>ANDI</a:t>
-            </a:r>
-            <a:r>
-              <a:rPr lang="en-US" sz="1600" b="1" dirty="0"/>
-              <a:t> – </a:t>
-            </a:r>
-            <a:r>
-              <a:rPr lang="en-US" sz="1600" dirty="0"/>
-              <a:t>Bookmark applet developed by the Social Security Administration to aid in Accessibility testing.</a:t>
-            </a:r>
-          </a:p>
-          <a:p>
-            <a:r>
-              <a:rPr lang="it-IT" sz="1600" b="1" dirty="0">
-                <a:hlinkClick r:id="rId11"/>
-              </a:rPr>
-              <a:t>Accessibility - Erissa Duvall (corgidev.com)</a:t>
-            </a:r>
-            <a:endParaRPr lang="en-US" sz="1600" b="1" dirty="0"/>
-          </a:p>
-        </p:txBody>
-      </p:sp>
-    </p:spTree>
-    <p:extLst>
-      <p:ext uri="{BB962C8B-B14F-4D97-AF65-F5344CB8AC3E}">
-        <p14:creationId xmlns:p14="http://schemas.microsoft.com/office/powerpoint/2010/main" val="436887274"/>
-      </p:ext>
-    </p:extLst>
-  </p:cSld>
-  <p:clrMapOvr>
-    <a:masterClrMapping/>
-  </p:clrMapOvr>
-</p:sld>
-</file>
-
-<file path=ppt/slides/slide17.xml><?xml version="1.0" encoding="utf-8"?>
-<p:sld xmlns:a="http://schemas.openxmlformats.org/drawingml/2006/main" xmlns:r="http://schemas.openxmlformats.org/officeDocument/2006/relationships" xmlns:p="http://schemas.openxmlformats.org/presentationml/2006/main">
-  <p:cSld>
-    <p:spTree>
-      <p:nvGrpSpPr>
-        <p:cNvPr id="1" name=""/>
-        <p:cNvGrpSpPr/>
-        <p:nvPr/>
-      </p:nvGrpSpPr>
-      <p:grpSpPr>
-        <a:xfrm>
-          <a:off x="0" y="0"/>
-          <a:ext cx="0" cy="0"/>
-          <a:chOff x="0" y="0"/>
-          <a:chExt cx="0" cy="0"/>
-        </a:xfrm>
-      </p:grpSpPr>
-      <p:sp>
-        <p:nvSpPr>
-          <p:cNvPr id="2" name="Title 1">
-            <a:extLst>
-              <a:ext uri="{FF2B5EF4-FFF2-40B4-BE49-F238E27FC236}">
-                <a16:creationId xmlns:a16="http://schemas.microsoft.com/office/drawing/2014/main" id="{BFBE0A40-EF52-730B-174C-8DEE5AF23CE4}"/>
-              </a:ext>
-            </a:extLst>
-          </p:cNvPr>
-          <p:cNvSpPr>
-            <a:spLocks noGrp="1"/>
-          </p:cNvSpPr>
-          <p:nvPr>
-            <p:ph type="title"/>
-          </p:nvPr>
-        </p:nvSpPr>
-        <p:spPr>
-          <a:xfrm>
-            <a:off x="1" y="764373"/>
-            <a:ext cx="11506200" cy="1293028"/>
-          </a:xfrm>
-        </p:spPr>
-        <p:txBody>
           <a:bodyPr/>
           <a:lstStyle/>
           <a:p>
@@ -14785,6 +14486,305 @@
     <p:extLst>
       <p:ext uri="{BB962C8B-B14F-4D97-AF65-F5344CB8AC3E}">
         <p14:creationId xmlns:p14="http://schemas.microsoft.com/office/powerpoint/2010/main" val="3970791432"/>
+      </p:ext>
+    </p:extLst>
+  </p:cSld>
+  <p:clrMapOvr>
+    <a:masterClrMapping/>
+  </p:clrMapOvr>
+</p:sld>
+</file>
+
+<file path=ppt/slides/slide17.xml><?xml version="1.0" encoding="utf-8"?>
+<p:sld xmlns:a="http://schemas.openxmlformats.org/drawingml/2006/main" xmlns:r="http://schemas.openxmlformats.org/officeDocument/2006/relationships" xmlns:p="http://schemas.openxmlformats.org/presentationml/2006/main">
+  <p:cSld>
+    <p:spTree>
+      <p:nvGrpSpPr>
+        <p:cNvPr id="1" name=""/>
+        <p:cNvGrpSpPr/>
+        <p:nvPr/>
+      </p:nvGrpSpPr>
+      <p:grpSpPr>
+        <a:xfrm>
+          <a:off x="0" y="0"/>
+          <a:ext cx="0" cy="0"/>
+          <a:chOff x="0" y="0"/>
+          <a:chExt cx="0" cy="0"/>
+        </a:xfrm>
+      </p:grpSpPr>
+      <p:sp>
+        <p:nvSpPr>
+          <p:cNvPr id="2" name="Title 1">
+            <a:extLst>
+              <a:ext uri="{FF2B5EF4-FFF2-40B4-BE49-F238E27FC236}">
+                <a16:creationId xmlns:a16="http://schemas.microsoft.com/office/drawing/2014/main" id="{BFBE0A40-EF52-730B-174C-8DEE5AF23CE4}"/>
+              </a:ext>
+            </a:extLst>
+          </p:cNvPr>
+          <p:cNvSpPr>
+            <a:spLocks noGrp="1"/>
+          </p:cNvSpPr>
+          <p:nvPr>
+            <p:ph type="title"/>
+          </p:nvPr>
+        </p:nvSpPr>
+        <p:spPr>
+          <a:xfrm>
+            <a:off x="1" y="764373"/>
+            <a:ext cx="11506200" cy="1293028"/>
+          </a:xfrm>
+        </p:spPr>
+        <p:txBody>
+          <a:bodyPr>
+            <a:normAutofit fontScale="90000"/>
+          </a:bodyPr>
+          <a:lstStyle/>
+          <a:p>
+            <a:r>
+              <a:rPr lang="en-US" dirty="0"/>
+              <a:t>Tools and resources</a:t>
+            </a:r>
+            <a:br>
+              <a:rPr lang="en-US" dirty="0"/>
+            </a:br>
+            <a:r>
+              <a:rPr lang="en-US" sz="2000" dirty="0"/>
+              <a:t>Additional Resources</a:t>
+            </a:r>
+            <a:br>
+              <a:rPr lang="en-US" dirty="0"/>
+            </a:br>
+            <a:endParaRPr lang="en-US" dirty="0"/>
+          </a:p>
+        </p:txBody>
+      </p:sp>
+      <p:sp>
+        <p:nvSpPr>
+          <p:cNvPr id="3" name="Content Placeholder 2">
+            <a:extLst>
+              <a:ext uri="{FF2B5EF4-FFF2-40B4-BE49-F238E27FC236}">
+                <a16:creationId xmlns:a16="http://schemas.microsoft.com/office/drawing/2014/main" id="{7829BE99-CC9F-E89F-67D7-DD0AF66AC11A}"/>
+              </a:ext>
+            </a:extLst>
+          </p:cNvPr>
+          <p:cNvSpPr>
+            <a:spLocks noGrp="1"/>
+          </p:cNvSpPr>
+          <p:nvPr>
+            <p:ph idx="1"/>
+          </p:nvPr>
+        </p:nvSpPr>
+        <p:spPr>
+          <a:xfrm>
+            <a:off x="685798" y="1801028"/>
+            <a:ext cx="10820403" cy="4717338"/>
+          </a:xfrm>
+        </p:spPr>
+        <p:txBody>
+          <a:bodyPr>
+            <a:noAutofit/>
+          </a:bodyPr>
+          <a:lstStyle/>
+          <a:p>
+            <a:r>
+              <a:rPr lang="en-US" sz="1600" b="1" dirty="0">
+                <a:hlinkClick r:id="rId3"/>
+              </a:rPr>
+              <a:t>Accessibility Insights</a:t>
+            </a:r>
+            <a:r>
+              <a:rPr lang="en-US" sz="1600" dirty="0"/>
+              <a:t> – Accessibility testing tool made by Microsoft</a:t>
+            </a:r>
+          </a:p>
+          <a:p>
+            <a:pPr lvl="1"/>
+            <a:r>
+              <a:rPr lang="en-US" sz="1600" dirty="0"/>
+              <a:t>Has browser extension and desktop application versions</a:t>
+            </a:r>
+          </a:p>
+          <a:p>
+            <a:pPr lvl="1"/>
+            <a:r>
+              <a:rPr lang="en-US" sz="1600" dirty="0"/>
+              <a:t>Also have the option to include the automated tests in CI/CD</a:t>
+            </a:r>
+          </a:p>
+          <a:p>
+            <a:pPr lvl="1"/>
+            <a:r>
+              <a:rPr lang="en-US" sz="1600" dirty="0"/>
+              <a:t>DON’T depend on automated tests</a:t>
+            </a:r>
+          </a:p>
+          <a:p>
+            <a:r>
+              <a:rPr lang="en-US" sz="1600" b="1" dirty="0">
+                <a:hlinkClick r:id="rId4"/>
+              </a:rPr>
+              <a:t>NVDA</a:t>
+            </a:r>
+            <a:r>
+              <a:rPr lang="en-US" sz="1600" dirty="0"/>
+              <a:t> – free, open-sourced screen reader</a:t>
+            </a:r>
+          </a:p>
+          <a:p>
+            <a:pPr lvl="1"/>
+            <a:r>
+              <a:rPr lang="en-US" sz="1600" dirty="0"/>
+              <a:t>View keyboard shortcuts on at the Deque article entitled: </a:t>
+            </a:r>
+            <a:r>
+              <a:rPr lang="en-US" sz="1600" b="1" dirty="0">
+                <a:hlinkClick r:id="rId5"/>
+              </a:rPr>
+              <a:t>NVDA Keyboard Shortcuts</a:t>
+            </a:r>
+            <a:r>
+              <a:rPr lang="en-US" sz="1600" dirty="0"/>
+              <a:t>.</a:t>
+            </a:r>
+          </a:p>
+          <a:p>
+            <a:r>
+              <a:rPr lang="en-US" sz="1600" b="1" dirty="0"/>
+              <a:t>Narrator</a:t>
+            </a:r>
+            <a:r>
+              <a:rPr lang="en-US" sz="1600" dirty="0"/>
+              <a:t> – screen reader built-in to Windows.</a:t>
+            </a:r>
+          </a:p>
+          <a:p>
+            <a:pPr lvl="1"/>
+            <a:r>
+              <a:rPr lang="en-US" sz="1600" dirty="0"/>
+              <a:t>View keyboard shortcuts for Narrator in the Deque article entitled </a:t>
+            </a:r>
+            <a:r>
+              <a:rPr lang="en-US" sz="1600" b="1" dirty="0">
+                <a:hlinkClick r:id="rId6"/>
+              </a:rPr>
+              <a:t>Narrator Keyboard Shortcuts</a:t>
+            </a:r>
+            <a:r>
+              <a:rPr lang="en-US" sz="1600" dirty="0"/>
+              <a:t>.</a:t>
+            </a:r>
+          </a:p>
+          <a:p>
+            <a:r>
+              <a:rPr lang="en-US" sz="1600" b="1" dirty="0" err="1"/>
+              <a:t>VoiceOver</a:t>
+            </a:r>
+            <a:r>
+              <a:rPr lang="en-US" sz="1600" b="1" dirty="0"/>
+              <a:t> </a:t>
+            </a:r>
+            <a:r>
+              <a:rPr lang="en-US" sz="1600" dirty="0"/>
+              <a:t>– is a built screen reader found on iOS and MacOS devices.</a:t>
+            </a:r>
+          </a:p>
+          <a:p>
+            <a:r>
+              <a:rPr lang="en-US" sz="1600" b="1" dirty="0" err="1"/>
+              <a:t>TalkBack</a:t>
+            </a:r>
+            <a:r>
+              <a:rPr lang="en-US" sz="1600" b="1" dirty="0"/>
+              <a:t> </a:t>
+            </a:r>
+            <a:r>
+              <a:rPr lang="en-US" sz="1600" dirty="0"/>
+              <a:t>– is a built screen reader found on iOS and MacOS devices.</a:t>
+            </a:r>
+          </a:p>
+          <a:p>
+            <a:r>
+              <a:rPr lang="en-US" sz="1600" b="1" dirty="0">
+                <a:hlinkClick r:id="rId7"/>
+              </a:rPr>
+              <a:t>Microsoft Accessibility</a:t>
+            </a:r>
+            <a:r>
+              <a:rPr lang="en-US" sz="1600" dirty="0">
+                <a:hlinkClick r:id="rId7"/>
+              </a:rPr>
+              <a:t> </a:t>
+            </a:r>
+            <a:r>
+              <a:rPr lang="en-US" sz="1600" dirty="0"/>
+              <a:t>on Twitter at </a:t>
+            </a:r>
+            <a:r>
+              <a:rPr lang="en-US" sz="1600" b="1" dirty="0">
+                <a:hlinkClick r:id="rId8"/>
+              </a:rPr>
+              <a:t>@MSFTEnable</a:t>
+            </a:r>
+            <a:r>
+              <a:rPr lang="en-US" sz="1600" b="1" dirty="0"/>
+              <a:t> </a:t>
+            </a:r>
+            <a:r>
+              <a:rPr lang="en-US" sz="1600" dirty="0"/>
+              <a:t>and at on the </a:t>
+            </a:r>
+            <a:r>
+              <a:rPr lang="en-US" sz="1600" dirty="0">
+                <a:hlinkClick r:id="rId7"/>
+              </a:rPr>
+              <a:t>Microsoft Accessibility page</a:t>
+            </a:r>
+            <a:r>
+              <a:rPr lang="en-US" sz="1600" dirty="0"/>
+              <a:t>.</a:t>
+            </a:r>
+            <a:endParaRPr lang="en-US" sz="1600" b="1" dirty="0"/>
+          </a:p>
+          <a:p>
+            <a:r>
+              <a:rPr lang="en-US" sz="1600" b="1" dirty="0">
+                <a:hlinkClick r:id="rId9"/>
+              </a:rPr>
+              <a:t>Microsoft Accessibility Fundamentals course</a:t>
+            </a:r>
+            <a:endParaRPr lang="en-US" sz="1600" b="1" dirty="0"/>
+          </a:p>
+          <a:p>
+            <a:r>
+              <a:rPr lang="en-US" sz="1600" b="1" dirty="0">
+                <a:hlinkClick r:id="rId10"/>
+              </a:rPr>
+              <a:t>ANDI</a:t>
+            </a:r>
+            <a:r>
+              <a:rPr lang="en-US" sz="1600" b="1" dirty="0"/>
+              <a:t> – </a:t>
+            </a:r>
+            <a:r>
+              <a:rPr lang="en-US" sz="1600" dirty="0"/>
+              <a:t>Bookmark applet developed by the Social Security Administration to aid in Accessibility testing.</a:t>
+            </a:r>
+          </a:p>
+          <a:p>
+            <a:r>
+              <a:rPr lang="it-IT" sz="1600" b="1" dirty="0">
+                <a:hlinkClick r:id="rId11"/>
+              </a:rPr>
+              <a:t>Accessibility - Erissa Duvall (corgidev.com)</a:t>
+            </a:r>
+            <a:endParaRPr lang="en-US" sz="1600" b="1" dirty="0"/>
+          </a:p>
+        </p:txBody>
+      </p:sp>
+    </p:spTree>
+    <p:extLst>
+      <p:ext uri="{BB962C8B-B14F-4D97-AF65-F5344CB8AC3E}">
+        <p14:creationId xmlns:p14="http://schemas.microsoft.com/office/powerpoint/2010/main" val="436887274"/>
       </p:ext>
     </p:extLst>
   </p:cSld>
@@ -15843,7 +15843,7 @@
             <p:ph idx="1"/>
             <p:extLst>
               <p:ext uri="{D42A27DB-BD31-4B8C-83A1-F6EECF244321}">
-                <p14:modId xmlns:p14="http://schemas.microsoft.com/office/powerpoint/2010/main" val="1540734635"/>
+                <p14:modId xmlns:p14="http://schemas.microsoft.com/office/powerpoint/2010/main" val="1790085389"/>
               </p:ext>
             </p:extLst>
           </p:nvPr>

--- a/Presenations/2023 Presentations/AccessibilityTesting101-CincyDeliver2023.pptx
+++ b/Presenations/2023 Presentations/AccessibilityTesting101-CincyDeliver2023.pptx
@@ -2026,7 +2026,7 @@
         <a:lstStyle/>
         <a:p>
           <a:r>
-            <a:rPr lang="en-US" dirty="0">
+            <a:rPr lang="en-US" b="1" dirty="0">
               <a:solidFill>
                 <a:schemeClr val="bg1"/>
               </a:solidFill>
@@ -2072,7 +2072,7 @@
         <a:lstStyle/>
         <a:p>
           <a:r>
-            <a:rPr lang="en-US" dirty="0">
+            <a:rPr lang="en-US" b="1" dirty="0">
               <a:solidFill>
                 <a:schemeClr val="bg1"/>
               </a:solidFill>
@@ -2105,14 +2105,14 @@
       </dgm:t>
     </dgm:pt>
     <dgm:pt modelId="{309E972A-70A4-4A01-92B0-202B97F1D387}">
-      <dgm:prSet/>
+      <dgm:prSet custT="1"/>
       <dgm:spPr/>
       <dgm:t>
         <a:bodyPr/>
         <a:lstStyle/>
         <a:p>
           <a:r>
-            <a:rPr lang="en-US"/>
+            <a:rPr lang="en-US" sz="2400" dirty="0"/>
             <a:t>Temporary</a:t>
           </a:r>
         </a:p>
@@ -2141,14 +2141,14 @@
       </dgm:t>
     </dgm:pt>
     <dgm:pt modelId="{CC1479AC-B9E3-4FC1-88C2-1A5526491BBE}">
-      <dgm:prSet/>
+      <dgm:prSet custT="1"/>
       <dgm:spPr/>
       <dgm:t>
         <a:bodyPr/>
         <a:lstStyle/>
         <a:p>
           <a:r>
-            <a:rPr lang="en-US" dirty="0"/>
+            <a:rPr lang="en-US" sz="2400" dirty="0"/>
             <a:t>Situational</a:t>
           </a:r>
         </a:p>
@@ -2177,14 +2177,14 @@
       </dgm:t>
     </dgm:pt>
     <dgm:pt modelId="{16D81420-F14C-4B22-B792-3D32D94EA1DB}">
-      <dgm:prSet/>
+      <dgm:prSet custT="1"/>
       <dgm:spPr/>
       <dgm:t>
         <a:bodyPr/>
         <a:lstStyle/>
         <a:p>
           <a:r>
-            <a:rPr lang="en-US"/>
+            <a:rPr lang="en-US" sz="2400" dirty="0"/>
             <a:t>Permanent</a:t>
           </a:r>
         </a:p>
@@ -2226,7 +2226,7 @@
         <a:lstStyle/>
         <a:p>
           <a:r>
-            <a:rPr lang="en-US" dirty="0">
+            <a:rPr lang="en-US" b="1" dirty="0">
               <a:solidFill>
                 <a:schemeClr val="bg1"/>
               </a:solidFill>
@@ -2259,14 +2259,14 @@
       </dgm:t>
     </dgm:pt>
     <dgm:pt modelId="{D180F917-FABE-4F07-BF68-9309EA1AB377}">
-      <dgm:prSet/>
+      <dgm:prSet custT="1"/>
       <dgm:spPr/>
       <dgm:t>
         <a:bodyPr/>
         <a:lstStyle/>
         <a:p>
           <a:r>
-            <a:rPr lang="en-US"/>
+            <a:rPr lang="en-US" sz="2400" dirty="0"/>
             <a:t>Visible</a:t>
           </a:r>
         </a:p>
@@ -2295,14 +2295,14 @@
       </dgm:t>
     </dgm:pt>
     <dgm:pt modelId="{371AAE62-6DC6-40C1-B396-0C0551660A69}">
-      <dgm:prSet/>
+      <dgm:prSet custT="1"/>
       <dgm:spPr/>
       <dgm:t>
         <a:bodyPr/>
         <a:lstStyle/>
         <a:p>
           <a:r>
-            <a:rPr lang="en-US"/>
+            <a:rPr lang="en-US" sz="2400" dirty="0"/>
             <a:t>Invisible</a:t>
           </a:r>
         </a:p>
@@ -2331,14 +2331,14 @@
       </dgm:t>
     </dgm:pt>
     <dgm:pt modelId="{875E756B-ECC8-41F9-9083-B14ECA08DB4C}">
-      <dgm:prSet/>
+      <dgm:prSet custT="1"/>
       <dgm:spPr/>
       <dgm:t>
         <a:bodyPr/>
         <a:lstStyle/>
         <a:p>
           <a:r>
-            <a:rPr lang="en-US" dirty="0"/>
+            <a:rPr lang="en-US" sz="2400" dirty="0"/>
             <a:t>Hearing</a:t>
           </a:r>
         </a:p>
@@ -2367,14 +2367,14 @@
       </dgm:t>
     </dgm:pt>
     <dgm:pt modelId="{2379A58B-4DBC-47BF-BC4C-2AA182A3A226}">
-      <dgm:prSet/>
+      <dgm:prSet custT="1"/>
       <dgm:spPr/>
       <dgm:t>
         <a:bodyPr/>
         <a:lstStyle/>
         <a:p>
           <a:r>
-            <a:rPr lang="en-US"/>
+            <a:rPr lang="en-US" sz="2400" dirty="0"/>
             <a:t>Vision</a:t>
           </a:r>
         </a:p>
@@ -2403,14 +2403,14 @@
       </dgm:t>
     </dgm:pt>
     <dgm:pt modelId="{20A9D522-7B5D-49B6-AAEB-1F5015F0E51A}">
-      <dgm:prSet/>
+      <dgm:prSet custT="1"/>
       <dgm:spPr/>
       <dgm:t>
         <a:bodyPr/>
         <a:lstStyle/>
         <a:p>
           <a:r>
-            <a:rPr lang="en-US"/>
+            <a:rPr lang="en-US" sz="2400" dirty="0"/>
             <a:t>Mobility</a:t>
           </a:r>
         </a:p>
@@ -2439,14 +2439,14 @@
       </dgm:t>
     </dgm:pt>
     <dgm:pt modelId="{86E40419-D901-4951-9304-29B69BC5A101}">
-      <dgm:prSet/>
+      <dgm:prSet custT="1"/>
       <dgm:spPr/>
       <dgm:t>
         <a:bodyPr/>
         <a:lstStyle/>
         <a:p>
           <a:r>
-            <a:rPr lang="en-US"/>
+            <a:rPr lang="en-US" sz="2400" dirty="0"/>
             <a:t>Comprehension</a:t>
           </a:r>
         </a:p>
@@ -2613,8 +2613,8 @@
       </dsp:nvSpPr>
       <dsp:spPr>
         <a:xfrm>
-          <a:off x="0" y="25312"/>
-          <a:ext cx="7374467" cy="1228500"/>
+          <a:off x="0" y="30330"/>
+          <a:ext cx="7374467" cy="1223235"/>
         </a:xfrm>
         <a:prstGeom prst="roundRect">
           <a:avLst/>
@@ -2652,12 +2652,12 @@
         </a:fontRef>
       </dsp:style>
       <dsp:txBody>
-        <a:bodyPr spcFirstLastPara="0" vert="horz" wrap="square" lIns="190500" tIns="190500" rIns="190500" bIns="190500" numCol="1" spcCol="1270" anchor="ctr" anchorCtr="0">
+        <a:bodyPr spcFirstLastPara="0" vert="horz" wrap="square" lIns="194310" tIns="194310" rIns="194310" bIns="194310" numCol="1" spcCol="1270" anchor="ctr" anchorCtr="0">
           <a:noAutofit/>
         </a:bodyPr>
         <a:lstStyle/>
         <a:p>
-          <a:pPr marL="0" lvl="0" indent="0" algn="l" defTabSz="2222500">
+          <a:pPr marL="0" lvl="0" indent="0" algn="l" defTabSz="2266950">
             <a:lnSpc>
               <a:spcPct val="90000"/>
             </a:lnSpc>
@@ -2670,15 +2670,15 @@
             <a:buNone/>
           </a:pPr>
           <a:r>
-            <a:rPr lang="en-US" sz="5000" b="1" kern="1200" dirty="0"/>
+            <a:rPr lang="en-US" sz="5100" b="1" kern="1200" dirty="0"/>
             <a:t>Accessibility</a:t>
           </a:r>
-          <a:endParaRPr lang="en-US" sz="5000" kern="1200" dirty="0"/>
+          <a:endParaRPr lang="en-US" sz="5100" kern="1200" dirty="0"/>
         </a:p>
       </dsp:txBody>
       <dsp:txXfrm>
-        <a:off x="59970" y="85282"/>
-        <a:ext cx="7254527" cy="1108560"/>
+        <a:off x="59713" y="90043"/>
+        <a:ext cx="7255041" cy="1103809"/>
       </dsp:txXfrm>
     </dsp:sp>
     <dsp:sp modelId="{5F5B2010-9F7C-4F85-BA19-0E749BF12EAC}">
@@ -2688,8 +2688,8 @@
       </dsp:nvSpPr>
       <dsp:spPr>
         <a:xfrm>
-          <a:off x="0" y="1397812"/>
-          <a:ext cx="7374467" cy="1228500"/>
+          <a:off x="0" y="1400445"/>
+          <a:ext cx="7374467" cy="1223235"/>
         </a:xfrm>
         <a:prstGeom prst="roundRect">
           <a:avLst/>
@@ -2727,12 +2727,12 @@
         </a:fontRef>
       </dsp:style>
       <dsp:txBody>
-        <a:bodyPr spcFirstLastPara="0" vert="horz" wrap="square" lIns="190500" tIns="190500" rIns="190500" bIns="190500" numCol="1" spcCol="1270" anchor="ctr" anchorCtr="0">
+        <a:bodyPr spcFirstLastPara="0" vert="horz" wrap="square" lIns="194310" tIns="194310" rIns="194310" bIns="194310" numCol="1" spcCol="1270" anchor="ctr" anchorCtr="0">
           <a:noAutofit/>
         </a:bodyPr>
         <a:lstStyle/>
         <a:p>
-          <a:pPr marL="0" lvl="0" indent="0" algn="l" defTabSz="2222500">
+          <a:pPr marL="0" lvl="0" indent="0" algn="l" defTabSz="2266950">
             <a:lnSpc>
               <a:spcPct val="90000"/>
             </a:lnSpc>
@@ -2745,15 +2745,15 @@
             <a:buNone/>
           </a:pPr>
           <a:r>
-            <a:rPr lang="en-US" sz="5000" b="1" kern="1200" dirty="0"/>
+            <a:rPr lang="en-US" sz="5100" b="1" kern="1200" dirty="0"/>
             <a:t>Disability</a:t>
           </a:r>
-          <a:endParaRPr lang="en-US" sz="5000" kern="1200" dirty="0"/>
+          <a:endParaRPr lang="en-US" sz="5100" kern="1200" dirty="0"/>
         </a:p>
       </dsp:txBody>
       <dsp:txXfrm>
-        <a:off x="59970" y="1457782"/>
-        <a:ext cx="7254527" cy="1108560"/>
+        <a:off x="59713" y="1460158"/>
+        <a:ext cx="7255041" cy="1103809"/>
       </dsp:txXfrm>
     </dsp:sp>
     <dsp:sp modelId="{BFFE1686-2C08-410B-9B46-1898A88DB390}">
@@ -2763,8 +2763,8 @@
       </dsp:nvSpPr>
       <dsp:spPr>
         <a:xfrm>
-          <a:off x="0" y="2770312"/>
-          <a:ext cx="7374467" cy="1228500"/>
+          <a:off x="0" y="2770559"/>
+          <a:ext cx="7374467" cy="1223235"/>
         </a:xfrm>
         <a:prstGeom prst="roundRect">
           <a:avLst/>
@@ -2802,12 +2802,12 @@
         </a:fontRef>
       </dsp:style>
       <dsp:txBody>
-        <a:bodyPr spcFirstLastPara="0" vert="horz" wrap="square" lIns="190500" tIns="190500" rIns="190500" bIns="190500" numCol="1" spcCol="1270" anchor="ctr" anchorCtr="0">
+        <a:bodyPr spcFirstLastPara="0" vert="horz" wrap="square" lIns="194310" tIns="194310" rIns="194310" bIns="194310" numCol="1" spcCol="1270" anchor="ctr" anchorCtr="0">
           <a:noAutofit/>
         </a:bodyPr>
         <a:lstStyle/>
         <a:p>
-          <a:pPr marL="0" lvl="0" indent="0" algn="l" defTabSz="2222500">
+          <a:pPr marL="0" lvl="0" indent="0" algn="l" defTabSz="2266950">
             <a:lnSpc>
               <a:spcPct val="90000"/>
             </a:lnSpc>
@@ -2820,14 +2820,14 @@
             <a:buNone/>
           </a:pPr>
           <a:r>
-            <a:rPr lang="en-US" sz="5000" b="1" kern="1200" dirty="0"/>
+            <a:rPr lang="en-US" sz="5100" b="1" kern="1200" dirty="0"/>
             <a:t>Assistive Technology</a:t>
           </a:r>
         </a:p>
       </dsp:txBody>
       <dsp:txXfrm>
-        <a:off x="59970" y="2830282"/>
-        <a:ext cx="7254527" cy="1108560"/>
+        <a:off x="59713" y="2830272"/>
+        <a:ext cx="7255041" cy="1103809"/>
       </dsp:txXfrm>
     </dsp:sp>
   </dsp:spTree>
@@ -2849,7 +2849,7 @@
       </dsp:nvSpPr>
       <dsp:spPr>
         <a:xfrm>
-          <a:off x="5592" y="136616"/>
+          <a:off x="5592" y="0"/>
           <a:ext cx="3531141" cy="1059342"/>
         </a:xfrm>
         <a:prstGeom prst="rect">
@@ -2893,7 +2893,7 @@
         </a:bodyPr>
         <a:lstStyle/>
         <a:p>
-          <a:pPr marL="0" lvl="0" indent="0" algn="ctr" defTabSz="1555750">
+          <a:pPr marL="0" lvl="0" indent="0" algn="ctr" defTabSz="1600200">
             <a:lnSpc>
               <a:spcPct val="90000"/>
             </a:lnSpc>
@@ -2906,7 +2906,7 @@
             <a:buNone/>
           </a:pPr>
           <a:r>
-            <a:rPr lang="en-US" sz="3500" kern="1200" dirty="0">
+            <a:rPr lang="en-US" sz="3600" b="1" kern="1200" dirty="0">
               <a:solidFill>
                 <a:schemeClr val="bg1"/>
               </a:solidFill>
@@ -2916,7 +2916,7 @@
         </a:p>
       </dsp:txBody>
       <dsp:txXfrm>
-        <a:off x="5592" y="136616"/>
+        <a:off x="5592" y="0"/>
         <a:ext cx="3531141" cy="1059342"/>
       </dsp:txXfrm>
     </dsp:sp>
@@ -2927,8 +2927,8 @@
       </dsp:nvSpPr>
       <dsp:spPr>
         <a:xfrm>
-          <a:off x="5592" y="1195958"/>
-          <a:ext cx="3531141" cy="2007524"/>
+          <a:off x="5592" y="1059342"/>
+          <a:ext cx="3531141" cy="2280757"/>
         </a:xfrm>
         <a:prstGeom prst="rect">
           <a:avLst/>
@@ -2976,7 +2976,7 @@
         </a:bodyPr>
         <a:lstStyle/>
         <a:p>
-          <a:pPr marL="0" lvl="0" indent="0" algn="l" defTabSz="800100">
+          <a:pPr marL="0" lvl="0" indent="0" algn="l" defTabSz="1066800">
             <a:lnSpc>
               <a:spcPct val="90000"/>
             </a:lnSpc>
@@ -2989,12 +2989,12 @@
             <a:buNone/>
           </a:pPr>
           <a:r>
-            <a:rPr lang="en-US" sz="1800" kern="1200" dirty="0"/>
+            <a:rPr lang="en-US" sz="2400" kern="1200" dirty="0"/>
             <a:t>Hearing</a:t>
           </a:r>
         </a:p>
         <a:p>
-          <a:pPr marL="0" lvl="0" indent="0" algn="l" defTabSz="800100">
+          <a:pPr marL="0" lvl="0" indent="0" algn="l" defTabSz="1066800">
             <a:lnSpc>
               <a:spcPct val="90000"/>
             </a:lnSpc>
@@ -3007,12 +3007,12 @@
             <a:buNone/>
           </a:pPr>
           <a:r>
-            <a:rPr lang="en-US" sz="1800" kern="1200"/>
+            <a:rPr lang="en-US" sz="2400" kern="1200" dirty="0"/>
             <a:t>Vision</a:t>
           </a:r>
         </a:p>
         <a:p>
-          <a:pPr marL="0" lvl="0" indent="0" algn="l" defTabSz="800100">
+          <a:pPr marL="0" lvl="0" indent="0" algn="l" defTabSz="1066800">
             <a:lnSpc>
               <a:spcPct val="90000"/>
             </a:lnSpc>
@@ -3025,12 +3025,12 @@
             <a:buNone/>
           </a:pPr>
           <a:r>
-            <a:rPr lang="en-US" sz="1800" kern="1200"/>
+            <a:rPr lang="en-US" sz="2400" kern="1200" dirty="0"/>
             <a:t>Mobility</a:t>
           </a:r>
         </a:p>
         <a:p>
-          <a:pPr marL="0" lvl="0" indent="0" algn="l" defTabSz="800100">
+          <a:pPr marL="0" lvl="0" indent="0" algn="l" defTabSz="1066800">
             <a:lnSpc>
               <a:spcPct val="90000"/>
             </a:lnSpc>
@@ -3043,14 +3043,14 @@
             <a:buNone/>
           </a:pPr>
           <a:r>
-            <a:rPr lang="en-US" sz="1800" kern="1200"/>
+            <a:rPr lang="en-US" sz="2400" kern="1200" dirty="0"/>
             <a:t>Comprehension</a:t>
           </a:r>
         </a:p>
       </dsp:txBody>
       <dsp:txXfrm>
-        <a:off x="5592" y="1195958"/>
-        <a:ext cx="3531141" cy="2007524"/>
+        <a:off x="5592" y="1059342"/>
+        <a:ext cx="3531141" cy="2280757"/>
       </dsp:txXfrm>
     </dsp:sp>
     <dsp:sp modelId="{4509828A-1885-4608-9CA4-0F861650D937}">
@@ -3060,7 +3060,7 @@
       </dsp:nvSpPr>
       <dsp:spPr>
         <a:xfrm>
-          <a:off x="3644629" y="136616"/>
+          <a:off x="3644629" y="0"/>
           <a:ext cx="3531141" cy="1059342"/>
         </a:xfrm>
         <a:prstGeom prst="rect">
@@ -3104,7 +3104,7 @@
         </a:bodyPr>
         <a:lstStyle/>
         <a:p>
-          <a:pPr marL="0" lvl="0" indent="0" algn="ctr" defTabSz="1555750">
+          <a:pPr marL="0" lvl="0" indent="0" algn="ctr" defTabSz="1600200">
             <a:lnSpc>
               <a:spcPct val="90000"/>
             </a:lnSpc>
@@ -3117,7 +3117,7 @@
             <a:buNone/>
           </a:pPr>
           <a:r>
-            <a:rPr lang="en-US" sz="3500" kern="1200" dirty="0">
+            <a:rPr lang="en-US" sz="3600" b="1" kern="1200" dirty="0">
               <a:solidFill>
                 <a:schemeClr val="bg1"/>
               </a:solidFill>
@@ -3127,7 +3127,7 @@
         </a:p>
       </dsp:txBody>
       <dsp:txXfrm>
-        <a:off x="3644629" y="136616"/>
+        <a:off x="3644629" y="0"/>
         <a:ext cx="3531141" cy="1059342"/>
       </dsp:txXfrm>
     </dsp:sp>
@@ -3138,8 +3138,8 @@
       </dsp:nvSpPr>
       <dsp:spPr>
         <a:xfrm>
-          <a:off x="3644629" y="1195958"/>
-          <a:ext cx="3531141" cy="2007524"/>
+          <a:off x="3644629" y="1059342"/>
+          <a:ext cx="3531141" cy="2280757"/>
         </a:xfrm>
         <a:prstGeom prst="rect">
           <a:avLst/>
@@ -3187,7 +3187,7 @@
         </a:bodyPr>
         <a:lstStyle/>
         <a:p>
-          <a:pPr marL="0" lvl="0" indent="0" algn="l" defTabSz="800100">
+          <a:pPr marL="0" lvl="0" indent="0" algn="l" defTabSz="1066800">
             <a:lnSpc>
               <a:spcPct val="90000"/>
             </a:lnSpc>
@@ -3200,12 +3200,12 @@
             <a:buNone/>
           </a:pPr>
           <a:r>
-            <a:rPr lang="en-US" sz="1800" kern="1200"/>
+            <a:rPr lang="en-US" sz="2400" kern="1200" dirty="0"/>
             <a:t>Temporary</a:t>
           </a:r>
         </a:p>
         <a:p>
-          <a:pPr marL="0" lvl="0" indent="0" algn="l" defTabSz="800100">
+          <a:pPr marL="0" lvl="0" indent="0" algn="l" defTabSz="1066800">
             <a:lnSpc>
               <a:spcPct val="90000"/>
             </a:lnSpc>
@@ -3218,12 +3218,12 @@
             <a:buNone/>
           </a:pPr>
           <a:r>
-            <a:rPr lang="en-US" sz="1800" kern="1200" dirty="0"/>
+            <a:rPr lang="en-US" sz="2400" kern="1200" dirty="0"/>
             <a:t>Situational</a:t>
           </a:r>
         </a:p>
         <a:p>
-          <a:pPr marL="0" lvl="0" indent="0" algn="l" defTabSz="800100">
+          <a:pPr marL="0" lvl="0" indent="0" algn="l" defTabSz="1066800">
             <a:lnSpc>
               <a:spcPct val="90000"/>
             </a:lnSpc>
@@ -3236,14 +3236,14 @@
             <a:buNone/>
           </a:pPr>
           <a:r>
-            <a:rPr lang="en-US" sz="1800" kern="1200"/>
+            <a:rPr lang="en-US" sz="2400" kern="1200" dirty="0"/>
             <a:t>Permanent</a:t>
           </a:r>
         </a:p>
       </dsp:txBody>
       <dsp:txXfrm>
-        <a:off x="3644629" y="1195958"/>
-        <a:ext cx="3531141" cy="2007524"/>
+        <a:off x="3644629" y="1059342"/>
+        <a:ext cx="3531141" cy="2280757"/>
       </dsp:txXfrm>
     </dsp:sp>
     <dsp:sp modelId="{FC53DE69-2466-43F5-A0D3-415A85444237}">
@@ -3253,7 +3253,7 @@
       </dsp:nvSpPr>
       <dsp:spPr>
         <a:xfrm>
-          <a:off x="7283665" y="136616"/>
+          <a:off x="7283665" y="0"/>
           <a:ext cx="3531141" cy="1059342"/>
         </a:xfrm>
         <a:prstGeom prst="rect">
@@ -3297,7 +3297,7 @@
         </a:bodyPr>
         <a:lstStyle/>
         <a:p>
-          <a:pPr marL="0" lvl="0" indent="0" algn="ctr" defTabSz="1555750">
+          <a:pPr marL="0" lvl="0" indent="0" algn="ctr" defTabSz="1600200">
             <a:lnSpc>
               <a:spcPct val="90000"/>
             </a:lnSpc>
@@ -3310,7 +3310,7 @@
             <a:buNone/>
           </a:pPr>
           <a:r>
-            <a:rPr lang="en-US" sz="3500" kern="1200" dirty="0">
+            <a:rPr lang="en-US" sz="3600" b="1" kern="1200" dirty="0">
               <a:solidFill>
                 <a:schemeClr val="bg1"/>
               </a:solidFill>
@@ -3320,7 +3320,7 @@
         </a:p>
       </dsp:txBody>
       <dsp:txXfrm>
-        <a:off x="7283665" y="136616"/>
+        <a:off x="7283665" y="0"/>
         <a:ext cx="3531141" cy="1059342"/>
       </dsp:txXfrm>
     </dsp:sp>
@@ -3331,8 +3331,8 @@
       </dsp:nvSpPr>
       <dsp:spPr>
         <a:xfrm>
-          <a:off x="7283665" y="1195958"/>
-          <a:ext cx="3531141" cy="2007524"/>
+          <a:off x="7283665" y="1059342"/>
+          <a:ext cx="3531141" cy="2280757"/>
         </a:xfrm>
         <a:prstGeom prst="rect">
           <a:avLst/>
@@ -3380,7 +3380,7 @@
         </a:bodyPr>
         <a:lstStyle/>
         <a:p>
-          <a:pPr marL="0" lvl="0" indent="0" algn="l" defTabSz="800100">
+          <a:pPr marL="0" lvl="0" indent="0" algn="l" defTabSz="1066800">
             <a:lnSpc>
               <a:spcPct val="90000"/>
             </a:lnSpc>
@@ -3393,12 +3393,12 @@
             <a:buNone/>
           </a:pPr>
           <a:r>
-            <a:rPr lang="en-US" sz="1800" kern="1200"/>
+            <a:rPr lang="en-US" sz="2400" kern="1200" dirty="0"/>
             <a:t>Visible</a:t>
           </a:r>
         </a:p>
         <a:p>
-          <a:pPr marL="0" lvl="0" indent="0" algn="l" defTabSz="800100">
+          <a:pPr marL="0" lvl="0" indent="0" algn="l" defTabSz="1066800">
             <a:lnSpc>
               <a:spcPct val="90000"/>
             </a:lnSpc>
@@ -3411,14 +3411,14 @@
             <a:buNone/>
           </a:pPr>
           <a:r>
-            <a:rPr lang="en-US" sz="1800" kern="1200"/>
+            <a:rPr lang="en-US" sz="2400" kern="1200" dirty="0"/>
             <a:t>Invisible</a:t>
           </a:r>
         </a:p>
       </dsp:txBody>
       <dsp:txXfrm>
-        <a:off x="7283665" y="1195958"/>
-        <a:ext cx="3531141" cy="2007524"/>
+        <a:off x="7283665" y="1059342"/>
+        <a:ext cx="3531141" cy="2280757"/>
       </dsp:txXfrm>
     </dsp:sp>
   </dsp:spTree>
@@ -5909,7 +5909,7 @@
           <a:p>
             <a:fld id="{BEFAACEF-CC9A-483E-9B56-DECAFB57975A}" type="datetimeFigureOut">
               <a:rPr lang="en-US" smtClean="0"/>
-              <a:t>7/27/2023</a:t>
+              <a:t>7/28/2023</a:t>
             </a:fld>
             <a:endParaRPr lang="en-US"/>
           </a:p>
@@ -7573,17 +7573,7 @@
             </a:pPr>
             <a:r>
               <a:rPr lang="en-US" dirty="0"/>
-              <a:t>Lighthouse is built into Chromium based browsers like Google Chrome and Microsoft Edge. It allows you to check Accessibility, SEO, and performance impacting elements of a page.</a:t>
-            </a:r>
-          </a:p>
-          <a:p>
-            <a:pPr marL="628650" lvl="1" indent="-171450">
-              <a:buFont typeface="Arial" panose="020B0604020202020204" pitchFamily="34" charset="0"/>
-              <a:buChar char="•"/>
-            </a:pPr>
-            <a:r>
-              <a:rPr lang="en-US" dirty="0"/>
-              <a:t>Firefox has similar options, but they are separated out into individual scanners, rather than under one option.</a:t>
+              <a:t>Microsoft and MacOS have a variety of built in accessibility options that help you zoom, have narration, use color filters and more to make a system more accessible based on your needs or test for accessibility in your content.</a:t>
             </a:r>
           </a:p>
           <a:p>
@@ -7592,15 +7582,17 @@
               <a:buChar char="•"/>
             </a:pPr>
             <a:r>
+              <a:rPr lang="en-US"/>
+              <a:t>Additionally, </a:t>
+            </a:r>
+            <a:r>
               <a:rPr lang="en-US" dirty="0"/>
-              <a:t>The rendering options are also built into Chromium browsers. They allow you to get an idea for how some disabilities may view your page and see how various custom CSS options may impact your site appearance and behavior.</a:t>
-            </a:r>
-          </a:p>
-          <a:p>
-            <a:pPr marL="171450" indent="-171450">
-              <a:buFont typeface="Arial" panose="020B0604020202020204" pitchFamily="34" charset="0"/>
-              <a:buChar char="•"/>
-            </a:pPr>
+              <a:t>there are keyboard shortcuts that help you turn accessibility features on/</a:t>
+            </a:r>
+            <a:r>
+              <a:rPr lang="en-US"/>
+              <a:t>off quickly as needed.</a:t>
+            </a:r>
             <a:endParaRPr lang="en-US" dirty="0"/>
           </a:p>
         </p:txBody>
@@ -7685,7 +7677,18 @@
           <a:bodyPr/>
           <a:lstStyle/>
           <a:p>
-            <a:endParaRPr lang="en-US" dirty="0"/>
+            <a:r>
+              <a:rPr lang="en-US" dirty="0"/>
+              <a:t>Color Contrast Analyzer by </a:t>
+            </a:r>
+            <a:r>
+              <a:rPr lang="en-US" dirty="0" err="1"/>
+              <a:t>TPGi</a:t>
+            </a:r>
+            <a:r>
+              <a:rPr lang="en-US" dirty="0"/>
+              <a:t> - https://www.tpgi.com/color-contrast-checker/</a:t>
+            </a:r>
           </a:p>
         </p:txBody>
       </p:sp>
@@ -7895,7 +7898,7 @@
           <a:p>
             <a:fld id="{BA049CC4-5A97-47DC-86B9-9927E3A2D5F5}" type="datetime1">
               <a:rPr lang="en-US" smtClean="0"/>
-              <a:t>7/27/2023</a:t>
+              <a:t>7/28/2023</a:t>
             </a:fld>
             <a:endParaRPr lang="en-US"/>
           </a:p>
@@ -8167,7 +8170,7 @@
           <a:p>
             <a:fld id="{08A11C66-9C87-4BA8-9534-5EF145E66FE7}" type="datetime1">
               <a:rPr lang="en-US" smtClean="0"/>
-              <a:t>7/27/2023</a:t>
+              <a:t>7/28/2023</a:t>
             </a:fld>
             <a:endParaRPr lang="en-US"/>
           </a:p>
@@ -8398,7 +8401,7 @@
           <a:p>
             <a:fld id="{5AE480A1-3E8F-4FEB-9473-F28D5BA2CE2F}" type="datetime1">
               <a:rPr lang="en-US" smtClean="0"/>
-              <a:t>7/27/2023</a:t>
+              <a:t>7/28/2023</a:t>
             </a:fld>
             <a:endParaRPr lang="en-US"/>
           </a:p>
@@ -8708,7 +8711,7 @@
           <a:p>
             <a:fld id="{51941244-449B-4313-BB5D-CEC8D390AC83}" type="datetime1">
               <a:rPr lang="en-US" smtClean="0"/>
-              <a:t>7/27/2023</a:t>
+              <a:t>7/28/2023</a:t>
             </a:fld>
             <a:endParaRPr lang="en-US"/>
           </a:p>
@@ -9181,7 +9184,7 @@
           <a:p>
             <a:fld id="{D3AAB994-AF9D-407F-AC45-491F65672FB8}" type="datetime1">
               <a:rPr lang="en-US" smtClean="0"/>
-              <a:t>7/27/2023</a:t>
+              <a:t>7/28/2023</a:t>
             </a:fld>
             <a:endParaRPr lang="en-US"/>
           </a:p>
@@ -9728,7 +9731,7 @@
           <a:p>
             <a:fld id="{95B69CAA-71E9-4E32-8F4F-8B1877E6E416}" type="datetime1">
               <a:rPr lang="en-US" smtClean="0"/>
-              <a:t>7/27/2023</a:t>
+              <a:t>7/28/2023</a:t>
             </a:fld>
             <a:endParaRPr lang="en-US"/>
           </a:p>
@@ -10502,7 +10505,7 @@
           <a:p>
             <a:fld id="{4F1F7796-6626-4944-B793-E85205E429DA}" type="datetime1">
               <a:rPr lang="en-US" smtClean="0"/>
-              <a:t>7/27/2023</a:t>
+              <a:t>7/28/2023</a:t>
             </a:fld>
             <a:endParaRPr lang="en-US"/>
           </a:p>
@@ -10677,7 +10680,7 @@
           <a:p>
             <a:fld id="{275BEE86-0E69-41D4-B130-484F9582CF68}" type="datetime1">
               <a:rPr lang="en-US" smtClean="0"/>
-              <a:t>7/27/2023</a:t>
+              <a:t>7/28/2023</a:t>
             </a:fld>
             <a:endParaRPr lang="en-US"/>
           </a:p>
@@ -10900,7 +10903,7 @@
           <a:p>
             <a:fld id="{E8E2E543-8735-43A9-800E-D52D2E6A7570}" type="datetime1">
               <a:rPr lang="en-US" smtClean="0"/>
-              <a:t>7/27/2023</a:t>
+              <a:t>7/28/2023</a:t>
             </a:fld>
             <a:endParaRPr lang="en-US"/>
           </a:p>
@@ -11085,7 +11088,7 @@
           <a:p>
             <a:fld id="{4F562C0E-85F8-4032-A4AC-EAAA621EB697}" type="datetime1">
               <a:rPr lang="en-US" smtClean="0"/>
-              <a:t>7/27/2023</a:t>
+              <a:t>7/28/2023</a:t>
             </a:fld>
             <a:endParaRPr lang="en-US"/>
           </a:p>
@@ -11374,7 +11377,7 @@
           <a:p>
             <a:fld id="{4D4D2949-E030-4779-99B3-FAC018E20B72}" type="datetime1">
               <a:rPr lang="en-US" smtClean="0"/>
-              <a:t>7/27/2023</a:t>
+              <a:t>7/28/2023</a:t>
             </a:fld>
             <a:endParaRPr lang="en-US"/>
           </a:p>
@@ -11621,7 +11624,7 @@
           <a:p>
             <a:fld id="{0F3F8BCC-FB76-4EC4-8AAF-4B5BA4B75FEF}" type="datetime1">
               <a:rPr lang="en-US" smtClean="0"/>
-              <a:t>7/27/2023</a:t>
+              <a:t>7/28/2023</a:t>
             </a:fld>
             <a:endParaRPr lang="en-US"/>
           </a:p>
@@ -12000,7 +12003,7 @@
           <a:p>
             <a:fld id="{7AB60B1E-0147-4747-AD07-17141088A4C3}" type="datetime1">
               <a:rPr lang="en-US" smtClean="0"/>
-              <a:t>7/27/2023</a:t>
+              <a:t>7/28/2023</a:t>
             </a:fld>
             <a:endParaRPr lang="en-US"/>
           </a:p>
@@ -12118,7 +12121,7 @@
           <a:p>
             <a:fld id="{122DC7E5-9295-4EB3-8473-59EEBBFB2383}" type="datetime1">
               <a:rPr lang="en-US" smtClean="0"/>
-              <a:t>7/27/2023</a:t>
+              <a:t>7/28/2023</a:t>
             </a:fld>
             <a:endParaRPr lang="en-US"/>
           </a:p>
@@ -12213,7 +12216,7 @@
           <a:p>
             <a:fld id="{915BDD53-BBE8-4710-8261-574287A899BD}" type="datetime1">
               <a:rPr lang="en-US" smtClean="0"/>
-              <a:t>7/27/2023</a:t>
+              <a:t>7/28/2023</a:t>
             </a:fld>
             <a:endParaRPr lang="en-US"/>
           </a:p>
@@ -12462,7 +12465,7 @@
           <a:p>
             <a:fld id="{68C84FA3-F6D9-4634-9C02-2941F1994736}" type="datetime1">
               <a:rPr lang="en-US" smtClean="0"/>
-              <a:t>7/27/2023</a:t>
+              <a:t>7/28/2023</a:t>
             </a:fld>
             <a:endParaRPr lang="en-US"/>
           </a:p>
@@ -12719,7 +12722,7 @@
           <a:p>
             <a:fld id="{DAC35DB0-0D5A-4AF5-B91D-F5AC233569C2}" type="datetime1">
               <a:rPr lang="en-US" smtClean="0"/>
-              <a:t>7/27/2023</a:t>
+              <a:t>7/28/2023</a:t>
             </a:fld>
             <a:endParaRPr lang="en-US"/>
           </a:p>
@@ -12962,7 +12965,7 @@
           <a:p>
             <a:fld id="{22AFDDC1-071C-48BE-AEB0-C522838D21A3}" type="datetime1">
               <a:rPr lang="en-US" smtClean="0"/>
-              <a:t>7/27/2023</a:t>
+              <a:t>7/28/2023</a:t>
             </a:fld>
             <a:endParaRPr lang="en-US"/>
           </a:p>
@@ -14230,15 +14233,33 @@
             </a:pPr>
             <a:r>
               <a:rPr lang="en-US" sz="2000" b="1" i="0" u="sng" dirty="0">
+                <a:solidFill>
+                  <a:schemeClr val="accent6">
+                    <a:lumMod val="60000"/>
+                    <a:lumOff val="40000"/>
+                  </a:schemeClr>
+                </a:solidFill>
                 <a:effectLst/>
                 <a:latin typeface="Calibri" panose="020F0502020204030204" pitchFamily="34" charset="0"/>
                 <a:ea typeface="Calibri" panose="020F0502020204030204" pitchFamily="34" charset="0"/>
                 <a:cs typeface="Calibri" panose="020F0502020204030204" pitchFamily="34" charset="0"/>
-                <a:hlinkClick r:id="rId3"/>
+                <a:hlinkClick r:id="rId3">
+                  <a:extLst>
+                    <a:ext uri="{A12FA001-AC4F-418D-AE19-62706E023703}">
+                      <ahyp:hlinkClr xmlns:ahyp="http://schemas.microsoft.com/office/drawing/2018/hyperlinkcolor" val="tx"/>
+                    </a:ext>
+                  </a:extLst>
+                </a:hlinkClick>
               </a:rPr>
               <a:t>Find Landmarks on Web Page with A11Y Bookmarklet | HolisticA11Y</a:t>
             </a:r>
             <a:endParaRPr lang="en-US" sz="2000" b="1" i="0" u="sng" dirty="0">
+              <a:solidFill>
+                <a:schemeClr val="accent6">
+                  <a:lumMod val="60000"/>
+                  <a:lumOff val="40000"/>
+                </a:schemeClr>
+              </a:solidFill>
               <a:effectLst/>
               <a:latin typeface="Calibri" panose="020F0502020204030204" pitchFamily="34" charset="0"/>
               <a:ea typeface="Calibri" panose="020F0502020204030204" pitchFamily="34" charset="0"/>
@@ -14252,15 +14273,33 @@
             </a:pPr>
             <a:r>
               <a:rPr lang="en-US" sz="2000" b="1" i="0" u="none" strike="noStrike" dirty="0">
+                <a:solidFill>
+                  <a:schemeClr val="accent6">
+                    <a:lumMod val="60000"/>
+                    <a:lumOff val="40000"/>
+                  </a:schemeClr>
+                </a:solidFill>
                 <a:effectLst/>
                 <a:latin typeface="Calibri" panose="020F0502020204030204" pitchFamily="34" charset="0"/>
                 <a:ea typeface="Calibri" panose="020F0502020204030204" pitchFamily="34" charset="0"/>
                 <a:cs typeface="Calibri" panose="020F0502020204030204" pitchFamily="34" charset="0"/>
-                <a:hlinkClick r:id="rId4"/>
+                <a:hlinkClick r:id="rId4">
+                  <a:extLst>
+                    <a:ext uri="{A12FA001-AC4F-418D-AE19-62706E023703}">
+                      <ahyp:hlinkClr xmlns:ahyp="http://schemas.microsoft.com/office/drawing/2018/hyperlinkcolor" val="tx"/>
+                    </a:ext>
+                  </a:extLst>
+                </a:hlinkClick>
               </a:rPr>
               <a:t>Forms Bookmarklet for Accessibility Testing (pauljadam.com)</a:t>
             </a:r>
             <a:endParaRPr lang="en-US" sz="2000" b="1" i="0" u="sng" strike="noStrike" dirty="0">
+              <a:solidFill>
+                <a:schemeClr val="accent6">
+                  <a:lumMod val="60000"/>
+                  <a:lumOff val="40000"/>
+                </a:schemeClr>
+              </a:solidFill>
               <a:effectLst/>
               <a:latin typeface="Calibri" panose="020F0502020204030204" pitchFamily="34" charset="0"/>
               <a:ea typeface="Calibri" panose="020F0502020204030204" pitchFamily="34" charset="0"/>
@@ -14274,15 +14313,33 @@
             </a:pPr>
             <a:r>
               <a:rPr lang="en-US" sz="2000" b="1" i="0" u="none" strike="noStrike" dirty="0">
+                <a:solidFill>
+                  <a:schemeClr val="accent6">
+                    <a:lumMod val="60000"/>
+                    <a:lumOff val="40000"/>
+                  </a:schemeClr>
+                </a:solidFill>
                 <a:effectLst/>
                 <a:latin typeface="Calibri" panose="020F0502020204030204" pitchFamily="34" charset="0"/>
                 <a:ea typeface="Calibri" panose="020F0502020204030204" pitchFamily="34" charset="0"/>
                 <a:cs typeface="Calibri" panose="020F0502020204030204" pitchFamily="34" charset="0"/>
-                <a:hlinkClick r:id="rId5"/>
+                <a:hlinkClick r:id="rId5">
+                  <a:extLst>
+                    <a:ext uri="{A12FA001-AC4F-418D-AE19-62706E023703}">
+                      <ahyp:hlinkClr xmlns:ahyp="http://schemas.microsoft.com/office/drawing/2018/hyperlinkcolor" val="tx"/>
+                    </a:ext>
+                  </a:extLst>
+                </a:hlinkClick>
               </a:rPr>
               <a:t>ARIA Bookmarklet for Accessibility Testing (pauljadam.com)</a:t>
             </a:r>
             <a:endParaRPr lang="en-US" sz="2000" b="1" i="0" u="sng" strike="noStrike" dirty="0">
+              <a:solidFill>
+                <a:schemeClr val="accent6">
+                  <a:lumMod val="60000"/>
+                  <a:lumOff val="40000"/>
+                </a:schemeClr>
+              </a:solidFill>
               <a:effectLst/>
               <a:latin typeface="Calibri" panose="020F0502020204030204" pitchFamily="34" charset="0"/>
               <a:ea typeface="Calibri" panose="020F0502020204030204" pitchFamily="34" charset="0"/>
@@ -14295,7 +14352,7 @@
               <a:buChar char="•"/>
             </a:pPr>
             <a:r>
-              <a:rPr lang="en-US" sz="2000" b="1" i="0" u="sng" strike="noStrike" dirty="0">
+              <a:rPr lang="en-US" sz="2000" b="1" i="0" strike="noStrike" dirty="0">
                 <a:effectLst/>
                 <a:latin typeface="Calibri" panose="020F0502020204030204" pitchFamily="34" charset="0"/>
                 <a:ea typeface="Calibri" panose="020F0502020204030204" pitchFamily="34" charset="0"/>
@@ -14305,14 +14362,32 @@
             </a:r>
             <a:r>
               <a:rPr lang="en-US" sz="2000" b="1" dirty="0">
+                <a:solidFill>
+                  <a:schemeClr val="accent6">
+                    <a:lumMod val="60000"/>
+                    <a:lumOff val="40000"/>
+                  </a:schemeClr>
+                </a:solidFill>
                 <a:latin typeface="Calibri" panose="020F0502020204030204" pitchFamily="34" charset="0"/>
                 <a:ea typeface="Calibri" panose="020F0502020204030204" pitchFamily="34" charset="0"/>
                 <a:cs typeface="Calibri" panose="020F0502020204030204" pitchFamily="34" charset="0"/>
-                <a:hlinkClick r:id="rId6"/>
+                <a:hlinkClick r:id="rId6">
+                  <a:extLst>
+                    <a:ext uri="{A12FA001-AC4F-418D-AE19-62706E023703}">
+                      <ahyp:hlinkClr xmlns:ahyp="http://schemas.microsoft.com/office/drawing/2018/hyperlinkcolor" val="tx"/>
+                    </a:ext>
+                  </a:extLst>
+                </a:hlinkClick>
               </a:rPr>
               <a:t>Bookmarklets (dylanb.github.io)</a:t>
             </a:r>
             <a:endParaRPr lang="en-US" sz="2000" b="1" dirty="0">
+              <a:solidFill>
+                <a:schemeClr val="accent6">
+                  <a:lumMod val="60000"/>
+                  <a:lumOff val="40000"/>
+                </a:schemeClr>
+              </a:solidFill>
               <a:latin typeface="Calibri" panose="020F0502020204030204" pitchFamily="34" charset="0"/>
               <a:ea typeface="Calibri" panose="020F0502020204030204" pitchFamily="34" charset="0"/>
               <a:cs typeface="Calibri" panose="020F0502020204030204" pitchFamily="34" charset="0"/>
@@ -14333,14 +14408,32 @@
             </a:r>
             <a:r>
               <a:rPr lang="en-US" sz="2000" b="1" dirty="0">
+                <a:solidFill>
+                  <a:schemeClr val="accent6">
+                    <a:lumMod val="60000"/>
+                    <a:lumOff val="40000"/>
+                  </a:schemeClr>
+                </a:solidFill>
                 <a:latin typeface="Calibri" panose="020F0502020204030204" pitchFamily="34" charset="0"/>
                 <a:ea typeface="Calibri" panose="020F0502020204030204" pitchFamily="34" charset="0"/>
                 <a:cs typeface="Calibri" panose="020F0502020204030204" pitchFamily="34" charset="0"/>
-                <a:hlinkClick r:id="rId7"/>
+                <a:hlinkClick r:id="rId7">
+                  <a:extLst>
+                    <a:ext uri="{A12FA001-AC4F-418D-AE19-62706E023703}">
+                      <ahyp:hlinkClr xmlns:ahyp="http://schemas.microsoft.com/office/drawing/2018/hyperlinkcolor" val="tx"/>
+                    </a:ext>
+                  </a:extLst>
+                </a:hlinkClick>
               </a:rPr>
               <a:t>Accessibility Bookmarklets (accessibility-bookmarklets.org)</a:t>
             </a:r>
             <a:endParaRPr lang="en-US" sz="2000" b="1" dirty="0">
+              <a:solidFill>
+                <a:schemeClr val="accent6">
+                  <a:lumMod val="60000"/>
+                  <a:lumOff val="40000"/>
+                </a:schemeClr>
+              </a:solidFill>
               <a:latin typeface="Calibri" panose="020F0502020204030204" pitchFamily="34" charset="0"/>
               <a:ea typeface="Calibri" panose="020F0502020204030204" pitchFamily="34" charset="0"/>
               <a:cs typeface="Calibri" panose="020F0502020204030204" pitchFamily="34" charset="0"/>
@@ -14353,14 +14446,32 @@
             </a:pPr>
             <a:r>
               <a:rPr lang="en-US" sz="2000" b="1" dirty="0">
+                <a:solidFill>
+                  <a:schemeClr val="accent6">
+                    <a:lumMod val="60000"/>
+                    <a:lumOff val="40000"/>
+                  </a:schemeClr>
+                </a:solidFill>
                 <a:latin typeface="Calibri" panose="020F0502020204030204" pitchFamily="34" charset="0"/>
                 <a:ea typeface="Calibri" panose="020F0502020204030204" pitchFamily="34" charset="0"/>
                 <a:cs typeface="Calibri" panose="020F0502020204030204" pitchFamily="34" charset="0"/>
-                <a:hlinkClick r:id="rId8"/>
+                <a:hlinkClick r:id="rId8">
+                  <a:extLst>
+                    <a:ext uri="{A12FA001-AC4F-418D-AE19-62706E023703}">
+                      <ahyp:hlinkClr xmlns:ahyp="http://schemas.microsoft.com/office/drawing/2018/hyperlinkcolor" val="tx"/>
+                    </a:ext>
+                  </a:extLst>
+                </a:hlinkClick>
               </a:rPr>
               <a:t>ANDI - Accessibility Testing Tool - Install (ssa.gov)</a:t>
             </a:r>
             <a:endParaRPr lang="en-US" sz="2000" b="1" dirty="0">
+              <a:solidFill>
+                <a:schemeClr val="accent6">
+                  <a:lumMod val="60000"/>
+                  <a:lumOff val="40000"/>
+                </a:schemeClr>
+              </a:solidFill>
               <a:latin typeface="Calibri" panose="020F0502020204030204" pitchFamily="34" charset="0"/>
               <a:ea typeface="Calibri" panose="020F0502020204030204" pitchFamily="34" charset="0"/>
               <a:cs typeface="Calibri" panose="020F0502020204030204" pitchFamily="34" charset="0"/>
@@ -14588,7 +14699,19 @@
           <a:p>
             <a:r>
               <a:rPr lang="en-US" sz="1600" b="1" dirty="0">
-                <a:hlinkClick r:id="rId3"/>
+                <a:solidFill>
+                  <a:schemeClr val="accent6">
+                    <a:lumMod val="60000"/>
+                    <a:lumOff val="40000"/>
+                  </a:schemeClr>
+                </a:solidFill>
+                <a:hlinkClick r:id="rId3">
+                  <a:extLst>
+                    <a:ext uri="{A12FA001-AC4F-418D-AE19-62706E023703}">
+                      <ahyp:hlinkClr xmlns:ahyp="http://schemas.microsoft.com/office/drawing/2018/hyperlinkcolor" val="tx"/>
+                    </a:ext>
+                  </a:extLst>
+                </a:hlinkClick>
               </a:rPr>
               <a:t>Accessibility Insights</a:t>
             </a:r>
@@ -14621,7 +14744,19 @@
           <a:p>
             <a:r>
               <a:rPr lang="en-US" sz="1600" b="1" dirty="0">
-                <a:hlinkClick r:id="rId4"/>
+                <a:solidFill>
+                  <a:schemeClr val="accent6">
+                    <a:lumMod val="60000"/>
+                    <a:lumOff val="40000"/>
+                  </a:schemeClr>
+                </a:solidFill>
+                <a:hlinkClick r:id="rId4">
+                  <a:extLst>
+                    <a:ext uri="{A12FA001-AC4F-418D-AE19-62706E023703}">
+                      <ahyp:hlinkClr xmlns:ahyp="http://schemas.microsoft.com/office/drawing/2018/hyperlinkcolor" val="tx"/>
+                    </a:ext>
+                  </a:extLst>
+                </a:hlinkClick>
               </a:rPr>
               <a:t>NVDA</a:t>
             </a:r>
@@ -14638,12 +14773,31 @@
             </a:r>
             <a:r>
               <a:rPr lang="en-US" sz="1600" b="1" dirty="0">
-                <a:hlinkClick r:id="rId5"/>
+                <a:solidFill>
+                  <a:schemeClr val="accent6">
+                    <a:lumMod val="60000"/>
+                    <a:lumOff val="40000"/>
+                  </a:schemeClr>
+                </a:solidFill>
+                <a:hlinkClick r:id="rId5">
+                  <a:extLst>
+                    <a:ext uri="{A12FA001-AC4F-418D-AE19-62706E023703}">
+                      <ahyp:hlinkClr xmlns:ahyp="http://schemas.microsoft.com/office/drawing/2018/hyperlinkcolor" val="tx"/>
+                    </a:ext>
+                  </a:extLst>
+                </a:hlinkClick>
               </a:rPr>
               <a:t>NVDA Keyboard Shortcuts</a:t>
             </a:r>
             <a:r>
-              <a:rPr lang="en-US" sz="1600" dirty="0"/>
+              <a:rPr lang="en-US" sz="1600" dirty="0">
+                <a:solidFill>
+                  <a:schemeClr val="accent6">
+                    <a:lumMod val="60000"/>
+                    <a:lumOff val="40000"/>
+                  </a:schemeClr>
+                </a:solidFill>
+              </a:rPr>
               <a:t>.</a:t>
             </a:r>
           </a:p>
@@ -14665,12 +14819,31 @@
             </a:r>
             <a:r>
               <a:rPr lang="en-US" sz="1600" b="1" dirty="0">
-                <a:hlinkClick r:id="rId6"/>
+                <a:solidFill>
+                  <a:schemeClr val="accent6">
+                    <a:lumMod val="60000"/>
+                    <a:lumOff val="40000"/>
+                  </a:schemeClr>
+                </a:solidFill>
+                <a:hlinkClick r:id="rId6">
+                  <a:extLst>
+                    <a:ext uri="{A12FA001-AC4F-418D-AE19-62706E023703}">
+                      <ahyp:hlinkClr xmlns:ahyp="http://schemas.microsoft.com/office/drawing/2018/hyperlinkcolor" val="tx"/>
+                    </a:ext>
+                  </a:extLst>
+                </a:hlinkClick>
               </a:rPr>
               <a:t>Narrator Keyboard Shortcuts</a:t>
             </a:r>
             <a:r>
-              <a:rPr lang="en-US" sz="1600" dirty="0"/>
+              <a:rPr lang="en-US" sz="1600" dirty="0">
+                <a:solidFill>
+                  <a:schemeClr val="accent6">
+                    <a:lumMod val="60000"/>
+                    <a:lumOff val="40000"/>
+                  </a:schemeClr>
+                </a:solidFill>
+              </a:rPr>
               <a:t>.</a:t>
             </a:r>
           </a:p>
@@ -14705,13 +14878,37 @@
           <a:p>
             <a:r>
               <a:rPr lang="en-US" sz="1600" b="1" dirty="0">
-                <a:hlinkClick r:id="rId7"/>
+                <a:solidFill>
+                  <a:schemeClr val="accent6">
+                    <a:lumMod val="60000"/>
+                    <a:lumOff val="40000"/>
+                  </a:schemeClr>
+                </a:solidFill>
+                <a:hlinkClick r:id="rId7">
+                  <a:extLst>
+                    <a:ext uri="{A12FA001-AC4F-418D-AE19-62706E023703}">
+                      <ahyp:hlinkClr xmlns:ahyp="http://schemas.microsoft.com/office/drawing/2018/hyperlinkcolor" val="tx"/>
+                    </a:ext>
+                  </a:extLst>
+                </a:hlinkClick>
               </a:rPr>
               <a:t>Microsoft Accessibility</a:t>
             </a:r>
             <a:r>
               <a:rPr lang="en-US" sz="1600" dirty="0">
-                <a:hlinkClick r:id="rId7"/>
+                <a:solidFill>
+                  <a:schemeClr val="accent6">
+                    <a:lumMod val="60000"/>
+                    <a:lumOff val="40000"/>
+                  </a:schemeClr>
+                </a:solidFill>
+                <a:hlinkClick r:id="rId7">
+                  <a:extLst>
+                    <a:ext uri="{A12FA001-AC4F-418D-AE19-62706E023703}">
+                      <ahyp:hlinkClr xmlns:ahyp="http://schemas.microsoft.com/office/drawing/2018/hyperlinkcolor" val="tx"/>
+                    </a:ext>
+                  </a:extLst>
+                </a:hlinkClick>
               </a:rPr>
               <a:t> </a:t>
             </a:r>
@@ -14721,7 +14918,19 @@
             </a:r>
             <a:r>
               <a:rPr lang="en-US" sz="1600" b="1" dirty="0">
-                <a:hlinkClick r:id="rId8"/>
+                <a:solidFill>
+                  <a:schemeClr val="accent6">
+                    <a:lumMod val="60000"/>
+                    <a:lumOff val="40000"/>
+                  </a:schemeClr>
+                </a:solidFill>
+                <a:hlinkClick r:id="rId8">
+                  <a:extLst>
+                    <a:ext uri="{A12FA001-AC4F-418D-AE19-62706E023703}">
+                      <ahyp:hlinkClr xmlns:ahyp="http://schemas.microsoft.com/office/drawing/2018/hyperlinkcolor" val="tx"/>
+                    </a:ext>
+                  </a:extLst>
+                </a:hlinkClick>
               </a:rPr>
               <a:t>@MSFTEnable</a:t>
             </a:r>
@@ -14734,30 +14943,79 @@
               <a:t>and at on the </a:t>
             </a:r>
             <a:r>
-              <a:rPr lang="en-US" sz="1600" dirty="0">
-                <a:hlinkClick r:id="rId7"/>
+              <a:rPr lang="en-US" sz="1600" b="1" dirty="0">
+                <a:solidFill>
+                  <a:schemeClr val="accent6">
+                    <a:lumMod val="60000"/>
+                    <a:lumOff val="40000"/>
+                  </a:schemeClr>
+                </a:solidFill>
+                <a:hlinkClick r:id="rId7">
+                  <a:extLst>
+                    <a:ext uri="{A12FA001-AC4F-418D-AE19-62706E023703}">
+                      <ahyp:hlinkClr xmlns:ahyp="http://schemas.microsoft.com/office/drawing/2018/hyperlinkcolor" val="tx"/>
+                    </a:ext>
+                  </a:extLst>
+                </a:hlinkClick>
               </a:rPr>
               <a:t>Microsoft Accessibility page</a:t>
             </a:r>
             <a:r>
-              <a:rPr lang="en-US" sz="1600" dirty="0"/>
+              <a:rPr lang="en-US" sz="1600" b="1" dirty="0">
+                <a:solidFill>
+                  <a:schemeClr val="accent6">
+                    <a:lumMod val="60000"/>
+                    <a:lumOff val="40000"/>
+                  </a:schemeClr>
+                </a:solidFill>
+              </a:rPr>
               <a:t>.</a:t>
             </a:r>
-            <a:endParaRPr lang="en-US" sz="1600" b="1" dirty="0"/>
           </a:p>
           <a:p>
             <a:r>
               <a:rPr lang="en-US" sz="1600" b="1" dirty="0">
-                <a:hlinkClick r:id="rId9"/>
+                <a:solidFill>
+                  <a:schemeClr val="accent6">
+                    <a:lumMod val="60000"/>
+                    <a:lumOff val="40000"/>
+                  </a:schemeClr>
+                </a:solidFill>
+                <a:hlinkClick r:id="rId9">
+                  <a:extLst>
+                    <a:ext uri="{A12FA001-AC4F-418D-AE19-62706E023703}">
+                      <ahyp:hlinkClr xmlns:ahyp="http://schemas.microsoft.com/office/drawing/2018/hyperlinkcolor" val="tx"/>
+                    </a:ext>
+                  </a:extLst>
+                </a:hlinkClick>
               </a:rPr>
               <a:t>Microsoft Accessibility Fundamentals course</a:t>
             </a:r>
-            <a:endParaRPr lang="en-US" sz="1600" b="1" dirty="0"/>
+            <a:endParaRPr lang="en-US" sz="1600" b="1" dirty="0">
+              <a:solidFill>
+                <a:schemeClr val="accent6">
+                  <a:lumMod val="60000"/>
+                  <a:lumOff val="40000"/>
+                </a:schemeClr>
+              </a:solidFill>
+            </a:endParaRPr>
           </a:p>
           <a:p>
             <a:r>
               <a:rPr lang="en-US" sz="1600" b="1" dirty="0">
-                <a:hlinkClick r:id="rId10"/>
+                <a:solidFill>
+                  <a:schemeClr val="accent6">
+                    <a:lumMod val="60000"/>
+                    <a:lumOff val="40000"/>
+                  </a:schemeClr>
+                </a:solidFill>
+                <a:hlinkClick r:id="rId10">
+                  <a:extLst>
+                    <a:ext uri="{A12FA001-AC4F-418D-AE19-62706E023703}">
+                      <ahyp:hlinkClr xmlns:ahyp="http://schemas.microsoft.com/office/drawing/2018/hyperlinkcolor" val="tx"/>
+                    </a:ext>
+                  </a:extLst>
+                </a:hlinkClick>
               </a:rPr>
               <a:t>ANDI</a:t>
             </a:r>
@@ -14773,11 +15031,30 @@
           <a:p>
             <a:r>
               <a:rPr lang="it-IT" sz="1600" b="1" dirty="0">
-                <a:hlinkClick r:id="rId11"/>
+                <a:solidFill>
+                  <a:schemeClr val="accent6">
+                    <a:lumMod val="60000"/>
+                    <a:lumOff val="40000"/>
+                  </a:schemeClr>
+                </a:solidFill>
+                <a:hlinkClick r:id="rId11">
+                  <a:extLst>
+                    <a:ext uri="{A12FA001-AC4F-418D-AE19-62706E023703}">
+                      <ahyp:hlinkClr xmlns:ahyp="http://schemas.microsoft.com/office/drawing/2018/hyperlinkcolor" val="tx"/>
+                    </a:ext>
+                  </a:extLst>
+                </a:hlinkClick>
               </a:rPr>
               <a:t>Accessibility - Erissa Duvall (corgidev.com)</a:t>
             </a:r>
-            <a:endParaRPr lang="en-US" sz="1600" b="1" dirty="0"/>
+            <a:endParaRPr lang="en-US" sz="1600" b="1" dirty="0">
+              <a:solidFill>
+                <a:schemeClr val="accent6">
+                  <a:lumMod val="60000"/>
+                  <a:lumOff val="40000"/>
+                </a:schemeClr>
+              </a:solidFill>
+            </a:endParaRPr>
           </a:p>
         </p:txBody>
       </p:sp>
@@ -14874,31 +15151,59 @@
           <a:p>
             <a:r>
               <a:rPr lang="en-US" sz="1800" b="1" dirty="0">
-                <a:hlinkClick r:id="rId3"/>
+                <a:solidFill>
+                  <a:schemeClr val="accent6">
+                    <a:lumMod val="60000"/>
+                    <a:lumOff val="40000"/>
+                  </a:schemeClr>
+                </a:solidFill>
+                <a:hlinkClick r:id="rId3">
+                  <a:extLst>
+                    <a:ext uri="{A12FA001-AC4F-418D-AE19-62706E023703}">
+                      <ahyp:hlinkClr xmlns:ahyp="http://schemas.microsoft.com/office/drawing/2018/hyperlinkcolor" val="tx"/>
+                    </a:ext>
+                  </a:extLst>
+                </a:hlinkClick>
               </a:rPr>
               <a:t>https://corgidev.com</a:t>
             </a:r>
-            <a:endParaRPr lang="en-US" sz="1800" b="1" dirty="0"/>
-          </a:p>
-          <a:p>
+            <a:endParaRPr lang="en-US" sz="1800" b="1" dirty="0">
+              <a:solidFill>
+                <a:schemeClr val="accent6">
+                  <a:lumMod val="60000"/>
+                  <a:lumOff val="40000"/>
+                </a:schemeClr>
+              </a:solidFill>
+            </a:endParaRPr>
+          </a:p>
+          <a:p>
+            <a:pPr>
+              <a:lnSpc>
+                <a:spcPct val="100000"/>
+              </a:lnSpc>
+            </a:pPr>
             <a:r>
               <a:rPr lang="en-US" sz="1800" b="1" dirty="0">
-                <a:hlinkClick r:id="rId4"/>
+                <a:solidFill>
+                  <a:schemeClr val="accent6">
+                    <a:lumMod val="60000"/>
+                    <a:lumOff val="40000"/>
+                  </a:schemeClr>
+                </a:solidFill>
+                <a:hlinkClick r:id="rId4">
+                  <a:extLst>
+                    <a:ext uri="{A12FA001-AC4F-418D-AE19-62706E023703}">
+                      <ahyp:hlinkClr xmlns:ahyp="http://schemas.microsoft.com/office/drawing/2018/hyperlinkcolor" val="tx"/>
+                    </a:ext>
+                  </a:extLst>
+                </a:hlinkClick>
               </a:rPr>
               <a:t>https://github.com/CorgiDev/A11y-Materials </a:t>
             </a:r>
             <a:r>
-              <a:rPr lang="en-US" sz="1800" b="1" dirty="0"/>
+              <a:rPr lang="en-US" sz="1800" dirty="0"/>
               <a:t>- Under Presentations/2023 Presentations</a:t>
             </a:r>
-          </a:p>
-          <a:p>
-            <a:endParaRPr lang="en-US" sz="1800" b="1" dirty="0"/>
-          </a:p>
-          <a:p>
-            <a:pPr marL="0" indent="0">
-              <a:buNone/>
-            </a:pPr>
             <a:endParaRPr lang="en-US" sz="1800" b="1" dirty="0"/>
           </a:p>
         </p:txBody>
@@ -16080,7 +16385,7 @@
             <p:ph idx="1"/>
             <p:extLst>
               <p:ext uri="{D42A27DB-BD31-4B8C-83A1-F6EECF244321}">
-                <p14:modId xmlns:p14="http://schemas.microsoft.com/office/powerpoint/2010/main" val="589986761"/>
+                <p14:modId xmlns:p14="http://schemas.microsoft.com/office/powerpoint/2010/main" val="3473438812"/>
               </p:ext>
             </p:extLst>
           </p:nvPr>
@@ -16210,11 +16515,30 @@
             <a:pPr lvl="1"/>
             <a:r>
               <a:rPr lang="en-US" dirty="0">
-                <a:hlinkClick r:id="rId3"/>
+                <a:solidFill>
+                  <a:schemeClr val="accent6">
+                    <a:lumMod val="60000"/>
+                    <a:lumOff val="40000"/>
+                  </a:schemeClr>
+                </a:solidFill>
+                <a:hlinkClick r:id="rId3">
+                  <a:extLst>
+                    <a:ext uri="{A12FA001-AC4F-418D-AE19-62706E023703}">
+                      <ahyp:hlinkClr xmlns:ahyp="http://schemas.microsoft.com/office/drawing/2018/hyperlinkcolor" val="tx"/>
+                    </a:ext>
+                  </a:extLst>
+                </a:hlinkClick>
               </a:rPr>
               <a:t>A Hidden Market: The Purchasing Power of Working-Age Adults With Disabilities | American Institutes for Research (air.org)</a:t>
             </a:r>
-            <a:endParaRPr lang="en-US" dirty="0"/>
+            <a:endParaRPr lang="en-US" dirty="0">
+              <a:solidFill>
+                <a:schemeClr val="accent6">
+                  <a:lumMod val="60000"/>
+                  <a:lumOff val="40000"/>
+                </a:schemeClr>
+              </a:solidFill>
+            </a:endParaRPr>
           </a:p>
         </p:txBody>
       </p:sp>
@@ -16348,11 +16672,30 @@
             </a:r>
             <a:r>
               <a:rPr lang="en-US" dirty="0">
-                <a:hlinkClick r:id="rId3"/>
+                <a:solidFill>
+                  <a:schemeClr val="accent6">
+                    <a:lumMod val="60000"/>
+                    <a:lumOff val="40000"/>
+                  </a:schemeClr>
+                </a:solidFill>
+                <a:hlinkClick r:id="rId3">
+                  <a:extLst>
+                    <a:ext uri="{A12FA001-AC4F-418D-AE19-62706E023703}">
+                      <ahyp:hlinkClr xmlns:ahyp="http://schemas.microsoft.com/office/drawing/2018/hyperlinkcolor" val="tx"/>
+                    </a:ext>
+                  </a:extLst>
+                </a:hlinkClick>
               </a:rPr>
               <a:t>Web Accessibility Laws &amp; Policies | Web Accessibility Initiative (WAI) | W3C</a:t>
             </a:r>
-            <a:endParaRPr lang="en-US" dirty="0"/>
+            <a:endParaRPr lang="en-US" dirty="0">
+              <a:solidFill>
+                <a:schemeClr val="accent6">
+                  <a:lumMod val="60000"/>
+                  <a:lumOff val="40000"/>
+                </a:schemeClr>
+              </a:solidFill>
+            </a:endParaRPr>
           </a:p>
           <a:p>
             <a:r>
@@ -16558,7 +16901,19 @@
             <a:pPr lvl="1"/>
             <a:r>
               <a:rPr lang="en-US" sz="1800" b="1" dirty="0">
-                <a:hlinkClick r:id="rId3"/>
+                <a:solidFill>
+                  <a:schemeClr val="accent6">
+                    <a:lumMod val="60000"/>
+                    <a:lumOff val="40000"/>
+                  </a:schemeClr>
+                </a:solidFill>
+                <a:hlinkClick r:id="rId3">
+                  <a:extLst>
+                    <a:ext uri="{A12FA001-AC4F-418D-AE19-62706E023703}">
+                      <ahyp:hlinkClr xmlns:ahyp="http://schemas.microsoft.com/office/drawing/2018/hyperlinkcolor" val="tx"/>
+                    </a:ext>
+                  </a:extLst>
+                </a:hlinkClick>
               </a:rPr>
               <a:t>VGAR</a:t>
             </a:r>
@@ -16571,7 +16926,19 @@
             <a:pPr lvl="1"/>
             <a:r>
               <a:rPr lang="en-US" sz="1800" b="1" dirty="0">
-                <a:hlinkClick r:id="rId4"/>
+                <a:solidFill>
+                  <a:schemeClr val="accent6">
+                    <a:lumMod val="60000"/>
+                    <a:lumOff val="40000"/>
+                  </a:schemeClr>
+                </a:solidFill>
+                <a:hlinkClick r:id="rId4">
+                  <a:extLst>
+                    <a:ext uri="{A12FA001-AC4F-418D-AE19-62706E023703}">
+                      <ahyp:hlinkClr xmlns:ahyp="http://schemas.microsoft.com/office/drawing/2018/hyperlinkcolor" val="tx"/>
+                    </a:ext>
+                  </a:extLst>
+                </a:hlinkClick>
               </a:rPr>
               <a:t>Section 508 ICT Testing Baseline for Web</a:t>
             </a:r>
